--- a/project_management/open_meetings/ICR_WS_Meeting_2011_05_11.pptx
+++ b/project_management/open_meetings/ICR_WS_Meeting_2011_05_11.pptx
@@ -5,17 +5,21 @@
     <p:sldMasterId id="2147483648" r:id="rId1"/>
   </p:sldMasterIdLst>
   <p:notesMasterIdLst>
-    <p:notesMasterId r:id="rId7"/>
+    <p:notesMasterId r:id="rId11"/>
   </p:notesMasterIdLst>
   <p:handoutMasterIdLst>
-    <p:handoutMasterId r:id="rId8"/>
+    <p:handoutMasterId r:id="rId12"/>
   </p:handoutMasterIdLst>
   <p:sldIdLst>
     <p:sldId id="264" r:id="rId2"/>
     <p:sldId id="334" r:id="rId3"/>
     <p:sldId id="341" r:id="rId4"/>
-    <p:sldId id="342" r:id="rId5"/>
-    <p:sldId id="268" r:id="rId6"/>
+    <p:sldId id="343" r:id="rId5"/>
+    <p:sldId id="344" r:id="rId6"/>
+    <p:sldId id="345" r:id="rId7"/>
+    <p:sldId id="346" r:id="rId8"/>
+    <p:sldId id="342" r:id="rId9"/>
+    <p:sldId id="268" r:id="rId10"/>
   </p:sldIdLst>
   <p:sldSz cx="9144000" cy="6858000" type="screen4x3"/>
   <p:notesSz cx="6858000" cy="9144000"/>
@@ -991,6 +995,258 @@
 </file>
 
 <file path=ppt/notesSlides/notesSlide4.xml><?xml version="1.0" encoding="utf-8"?>
+<p:notes xmlns:a="http://schemas.openxmlformats.org/drawingml/2006/main" xmlns:r="http://schemas.openxmlformats.org/officeDocument/2006/relationships" xmlns:mc="http://schemas.openxmlformats.org/markup-compatibility/2006" xmlns:mv="urn:schemas-microsoft-com:mac:vml" xmlns:p="http://schemas.openxmlformats.org/presentationml/2006/main" mc:Ignorable="mv" mc:PreserveAttributes="mv:*">
+  <p:cSld>
+    <p:spTree>
+      <p:nvGrpSpPr>
+        <p:cNvPr id="1" name=""/>
+        <p:cNvGrpSpPr/>
+        <p:nvPr/>
+      </p:nvGrpSpPr>
+      <p:grpSpPr>
+        <a:xfrm>
+          <a:off x="0" y="0"/>
+          <a:ext cx="0" cy="0"/>
+          <a:chOff x="0" y="0"/>
+          <a:chExt cx="0" cy="0"/>
+        </a:xfrm>
+      </p:grpSpPr>
+      <p:sp>
+        <p:nvSpPr>
+          <p:cNvPr id="101378" name="Rectangle 2"/>
+          <p:cNvSpPr>
+            <a:spLocks noGrp="1" noRot="1" noChangeAspect="1" noChangeArrowheads="1" noTextEdit="1"/>
+          </p:cNvSpPr>
+          <p:nvPr>
+            <p:ph type="sldImg"/>
+          </p:nvPr>
+        </p:nvSpPr>
+        <p:spPr>
+          <a:ln/>
+        </p:spPr>
+      </p:sp>
+      <p:sp>
+        <p:nvSpPr>
+          <p:cNvPr id="101379" name="Rectangle 3"/>
+          <p:cNvSpPr>
+            <a:spLocks noGrp="1" noChangeArrowheads="1"/>
+          </p:cNvSpPr>
+          <p:nvPr>
+            <p:ph type="body" idx="1"/>
+          </p:nvPr>
+        </p:nvSpPr>
+        <p:spPr>
+          <a:noFill/>
+          <a:ln/>
+        </p:spPr>
+        <p:txBody>
+          <a:bodyPr/>
+          <a:lstStyle/>
+          <a:p>
+            <a:endParaRPr lang="en-US" dirty="0" smtClean="0">
+              <a:ea typeface="ＭＳ Ｐゴシック" charset="-128"/>
+            </a:endParaRPr>
+          </a:p>
+        </p:txBody>
+      </p:sp>
+    </p:spTree>
+  </p:cSld>
+  <p:clrMapOvr>
+    <a:masterClrMapping/>
+  </p:clrMapOvr>
+</p:notes>
+</file>
+
+<file path=ppt/notesSlides/notesSlide5.xml><?xml version="1.0" encoding="utf-8"?>
+<p:notes xmlns:a="http://schemas.openxmlformats.org/drawingml/2006/main" xmlns:r="http://schemas.openxmlformats.org/officeDocument/2006/relationships" xmlns:mc="http://schemas.openxmlformats.org/markup-compatibility/2006" xmlns:mv="urn:schemas-microsoft-com:mac:vml" xmlns:p="http://schemas.openxmlformats.org/presentationml/2006/main" mc:Ignorable="mv" mc:PreserveAttributes="mv:*">
+  <p:cSld>
+    <p:spTree>
+      <p:nvGrpSpPr>
+        <p:cNvPr id="1" name=""/>
+        <p:cNvGrpSpPr/>
+        <p:nvPr/>
+      </p:nvGrpSpPr>
+      <p:grpSpPr>
+        <a:xfrm>
+          <a:off x="0" y="0"/>
+          <a:ext cx="0" cy="0"/>
+          <a:chOff x="0" y="0"/>
+          <a:chExt cx="0" cy="0"/>
+        </a:xfrm>
+      </p:grpSpPr>
+      <p:sp>
+        <p:nvSpPr>
+          <p:cNvPr id="101378" name="Rectangle 2"/>
+          <p:cNvSpPr>
+            <a:spLocks noGrp="1" noRot="1" noChangeAspect="1" noChangeArrowheads="1" noTextEdit="1"/>
+          </p:cNvSpPr>
+          <p:nvPr>
+            <p:ph type="sldImg"/>
+          </p:nvPr>
+        </p:nvSpPr>
+        <p:spPr>
+          <a:ln/>
+        </p:spPr>
+      </p:sp>
+      <p:sp>
+        <p:nvSpPr>
+          <p:cNvPr id="101379" name="Rectangle 3"/>
+          <p:cNvSpPr>
+            <a:spLocks noGrp="1" noChangeArrowheads="1"/>
+          </p:cNvSpPr>
+          <p:nvPr>
+            <p:ph type="body" idx="1"/>
+          </p:nvPr>
+        </p:nvSpPr>
+        <p:spPr>
+          <a:noFill/>
+          <a:ln/>
+        </p:spPr>
+        <p:txBody>
+          <a:bodyPr/>
+          <a:lstStyle/>
+          <a:p>
+            <a:endParaRPr lang="en-US" dirty="0" smtClean="0">
+              <a:ea typeface="ＭＳ Ｐゴシック" charset="-128"/>
+            </a:endParaRPr>
+          </a:p>
+        </p:txBody>
+      </p:sp>
+    </p:spTree>
+  </p:cSld>
+  <p:clrMapOvr>
+    <a:masterClrMapping/>
+  </p:clrMapOvr>
+</p:notes>
+</file>
+
+<file path=ppt/notesSlides/notesSlide6.xml><?xml version="1.0" encoding="utf-8"?>
+<p:notes xmlns:a="http://schemas.openxmlformats.org/drawingml/2006/main" xmlns:r="http://schemas.openxmlformats.org/officeDocument/2006/relationships" xmlns:mc="http://schemas.openxmlformats.org/markup-compatibility/2006" xmlns:mv="urn:schemas-microsoft-com:mac:vml" xmlns:p="http://schemas.openxmlformats.org/presentationml/2006/main" mc:Ignorable="mv" mc:PreserveAttributes="mv:*">
+  <p:cSld>
+    <p:spTree>
+      <p:nvGrpSpPr>
+        <p:cNvPr id="1" name=""/>
+        <p:cNvGrpSpPr/>
+        <p:nvPr/>
+      </p:nvGrpSpPr>
+      <p:grpSpPr>
+        <a:xfrm>
+          <a:off x="0" y="0"/>
+          <a:ext cx="0" cy="0"/>
+          <a:chOff x="0" y="0"/>
+          <a:chExt cx="0" cy="0"/>
+        </a:xfrm>
+      </p:grpSpPr>
+      <p:sp>
+        <p:nvSpPr>
+          <p:cNvPr id="101378" name="Rectangle 2"/>
+          <p:cNvSpPr>
+            <a:spLocks noGrp="1" noRot="1" noChangeAspect="1" noChangeArrowheads="1" noTextEdit="1"/>
+          </p:cNvSpPr>
+          <p:nvPr>
+            <p:ph type="sldImg"/>
+          </p:nvPr>
+        </p:nvSpPr>
+        <p:spPr>
+          <a:ln/>
+        </p:spPr>
+      </p:sp>
+      <p:sp>
+        <p:nvSpPr>
+          <p:cNvPr id="101379" name="Rectangle 3"/>
+          <p:cNvSpPr>
+            <a:spLocks noGrp="1" noChangeArrowheads="1"/>
+          </p:cNvSpPr>
+          <p:nvPr>
+            <p:ph type="body" idx="1"/>
+          </p:nvPr>
+        </p:nvSpPr>
+        <p:spPr>
+          <a:noFill/>
+          <a:ln/>
+        </p:spPr>
+        <p:txBody>
+          <a:bodyPr/>
+          <a:lstStyle/>
+          <a:p>
+            <a:endParaRPr lang="en-US" dirty="0" smtClean="0">
+              <a:ea typeface="ＭＳ Ｐゴシック" charset="-128"/>
+            </a:endParaRPr>
+          </a:p>
+        </p:txBody>
+      </p:sp>
+    </p:spTree>
+  </p:cSld>
+  <p:clrMapOvr>
+    <a:masterClrMapping/>
+  </p:clrMapOvr>
+</p:notes>
+</file>
+
+<file path=ppt/notesSlides/notesSlide7.xml><?xml version="1.0" encoding="utf-8"?>
+<p:notes xmlns:a="http://schemas.openxmlformats.org/drawingml/2006/main" xmlns:r="http://schemas.openxmlformats.org/officeDocument/2006/relationships" xmlns:mc="http://schemas.openxmlformats.org/markup-compatibility/2006" xmlns:mv="urn:schemas-microsoft-com:mac:vml" xmlns:p="http://schemas.openxmlformats.org/presentationml/2006/main" mc:Ignorable="mv" mc:PreserveAttributes="mv:*">
+  <p:cSld>
+    <p:spTree>
+      <p:nvGrpSpPr>
+        <p:cNvPr id="1" name=""/>
+        <p:cNvGrpSpPr/>
+        <p:nvPr/>
+      </p:nvGrpSpPr>
+      <p:grpSpPr>
+        <a:xfrm>
+          <a:off x="0" y="0"/>
+          <a:ext cx="0" cy="0"/>
+          <a:chOff x="0" y="0"/>
+          <a:chExt cx="0" cy="0"/>
+        </a:xfrm>
+      </p:grpSpPr>
+      <p:sp>
+        <p:nvSpPr>
+          <p:cNvPr id="101378" name="Rectangle 2"/>
+          <p:cNvSpPr>
+            <a:spLocks noGrp="1" noRot="1" noChangeAspect="1" noChangeArrowheads="1" noTextEdit="1"/>
+          </p:cNvSpPr>
+          <p:nvPr>
+            <p:ph type="sldImg"/>
+          </p:nvPr>
+        </p:nvSpPr>
+        <p:spPr>
+          <a:ln/>
+        </p:spPr>
+      </p:sp>
+      <p:sp>
+        <p:nvSpPr>
+          <p:cNvPr id="101379" name="Rectangle 3"/>
+          <p:cNvSpPr>
+            <a:spLocks noGrp="1" noChangeArrowheads="1"/>
+          </p:cNvSpPr>
+          <p:nvPr>
+            <p:ph type="body" idx="1"/>
+          </p:nvPr>
+        </p:nvSpPr>
+        <p:spPr>
+          <a:noFill/>
+          <a:ln/>
+        </p:spPr>
+        <p:txBody>
+          <a:bodyPr/>
+          <a:lstStyle/>
+          <a:p>
+            <a:endParaRPr lang="en-US" dirty="0" smtClean="0">
+              <a:ea typeface="ＭＳ Ｐゴシック" charset="-128"/>
+            </a:endParaRPr>
+          </a:p>
+        </p:txBody>
+      </p:sp>
+    </p:spTree>
+  </p:cSld>
+  <p:clrMapOvr>
+    <a:masterClrMapping/>
+  </p:clrMapOvr>
+</p:notes>
+</file>
+
+<file path=ppt/notesSlides/notesSlide8.xml><?xml version="1.0" encoding="utf-8"?>
 <p:notes xmlns:a="http://schemas.openxmlformats.org/drawingml/2006/main" xmlns:r="http://schemas.openxmlformats.org/officeDocument/2006/relationships" xmlns:mc="http://schemas.openxmlformats.org/markup-compatibility/2006" xmlns:mv="urn:schemas-microsoft-com:mac:vml" xmlns:p="http://schemas.openxmlformats.org/presentationml/2006/main" mc:Ignorable="mv" mc:PreserveAttributes="mv:*">
   <p:cSld>
     <p:spTree>
@@ -3412,12 +3668,6 @@
               </a:rPr>
               <a:t>caArray Update:</a:t>
             </a:r>
-            <a:r>
-              <a:rPr lang="en-US" dirty="0" smtClean="0">
-                <a:ea typeface="ＭＳ Ｐゴシック" charset="-128"/>
-              </a:rPr>
-              <a:t/>
-            </a:r>
             <a:br>
               <a:rPr lang="en-US" dirty="0" smtClean="0">
                 <a:ea typeface="ＭＳ Ｐゴシック" charset="-128"/>
@@ -3499,16 +3749,6 @@
                 <a:ea typeface="ＭＳ Ｐゴシック" charset="-128"/>
               </a:rPr>
               <a:t>ICR-WS Meeting</a:t>
-            </a:r>
-            <a:r>
-              <a:rPr lang="en-US" sz="1400" dirty="0" smtClean="0">
-                <a:solidFill>
-                  <a:schemeClr val="bg2"/>
-                </a:solidFill>
-                <a:latin typeface="Arial" charset="0"/>
-                <a:ea typeface="ＭＳ Ｐゴシック" charset="-128"/>
-              </a:rPr>
-              <a:t/>
             </a:r>
             <a:br>
               <a:rPr lang="en-US" sz="1400" dirty="0" smtClean="0">
@@ -3527,17 +3767,7 @@
                 <a:latin typeface="Arial" charset="0"/>
                 <a:ea typeface="ＭＳ Ｐゴシック" charset="-128"/>
               </a:rPr>
-              <a:t>May 11, </a:t>
-            </a:r>
-            <a:r>
-              <a:rPr lang="en-US" sz="1400" dirty="0" smtClean="0">
-                <a:solidFill>
-                  <a:schemeClr val="bg2"/>
-                </a:solidFill>
-                <a:latin typeface="Arial" charset="0"/>
-                <a:ea typeface="ＭＳ Ｐゴシック" charset="-128"/>
-              </a:rPr>
-              <a:t>2011</a:t>
+              <a:t>May 11, 2011</a:t>
             </a:r>
             <a:br>
               <a:rPr lang="en-US" sz="1400" dirty="0" smtClean="0">
@@ -3653,17 +3883,8 @@
               <a:rPr lang="en-US" dirty="0" smtClean="0">
                 <a:ea typeface="ＭＳ Ｐゴシック" charset="-128"/>
               </a:rPr>
-              <a:t>Next </a:t>
-            </a:r>
-            <a:r>
-              <a:rPr lang="en-US" dirty="0" smtClean="0">
-                <a:ea typeface="ＭＳ Ｐゴシック" charset="-128"/>
-              </a:rPr>
-              <a:t>Release: 2.4.1</a:t>
-            </a:r>
-            <a:endParaRPr lang="en-US" dirty="0" smtClean="0">
-              <a:ea typeface="ＭＳ Ｐゴシック" charset="-128"/>
-            </a:endParaRPr>
+              <a:t>Next Release: 2.4.1</a:t>
+            </a:r>
           </a:p>
         </p:txBody>
       </p:sp>
@@ -3721,21 +3942,8 @@
             </a:r>
             <a:r>
               <a:rPr lang="en-US" sz="1600" dirty="0" smtClean="0"/>
-              <a:t>: Visibility </a:t>
-            </a:r>
-            <a:r>
-              <a:rPr lang="en-US" sz="1600" dirty="0" smtClean="0"/>
-              <a:t>into the queue of import and validation </a:t>
-            </a:r>
-            <a:r>
-              <a:rPr lang="en-US" sz="1600" dirty="0" smtClean="0"/>
-              <a:t>jobs. </a:t>
-            </a:r>
-            <a:r>
-              <a:rPr lang="en-US" sz="1600" dirty="0" smtClean="0"/>
-              <a:t>Ability to cancel a queued job.</a:t>
-            </a:r>
-            <a:endParaRPr lang="en-US" sz="1600" dirty="0" smtClean="0"/>
+              <a:t>: Visibility into the queue of import and validation jobs. Ability to cancel a queued job.</a:t>
+            </a:r>
           </a:p>
           <a:p>
             <a:pPr lvl="1" eaLnBrk="1" hangingPunct="1"/>
@@ -3749,11 +3957,7 @@
             </a:r>
             <a:r>
               <a:rPr lang="en-US" sz="1600" dirty="0" smtClean="0"/>
-              <a:t>: Search </a:t>
-            </a:r>
-            <a:r>
-              <a:rPr lang="en-US" sz="1600" dirty="0" smtClean="0"/>
-              <a:t>for experiments by publication author or </a:t>
+              <a:t>: Search for experiments by publication author or </a:t>
             </a:r>
             <a:r>
               <a:rPr lang="en-US" sz="1600" dirty="0" err="1" smtClean="0"/>
@@ -3763,7 +3967,6 @@
               <a:rPr lang="en-US" sz="1600" dirty="0" smtClean="0"/>
               <a:t> ID.</a:t>
             </a:r>
-            <a:endParaRPr lang="en-US" sz="1600" dirty="0" smtClean="0"/>
           </a:p>
           <a:p>
             <a:pPr lvl="1" eaLnBrk="1" hangingPunct="1"/>
@@ -3777,13 +3980,8 @@
             </a:r>
             <a:r>
               <a:rPr lang="en-US" sz="1600" dirty="0" smtClean="0"/>
-              <a:t>: Organisms </a:t>
-            </a:r>
-            <a:r>
-              <a:rPr lang="en-US" sz="1600" dirty="0" smtClean="0"/>
-              <a:t>are now restricted to terms from the NCBI Taxonomy.</a:t>
-            </a:r>
-            <a:endParaRPr lang="en-US" sz="1600" dirty="0" smtClean="0"/>
+              <a:t>: Organisms are now restricted to terms from the NCBI Taxonomy.</a:t>
+            </a:r>
           </a:p>
           <a:p>
             <a:pPr lvl="1" eaLnBrk="1" hangingPunct="1"/>
@@ -3812,13 +4010,8 @@
             </a:r>
             <a:r>
               <a:rPr lang="en-US" sz="1600" dirty="0" smtClean="0"/>
-              <a:t>: Allow </a:t>
-            </a:r>
-            <a:r>
-              <a:rPr lang="en-US" sz="1600" dirty="0" smtClean="0"/>
-              <a:t>proper import of Agilent array design files where the chromosome name is not in a strictly numeric or X/Y format.</a:t>
-            </a:r>
-            <a:endParaRPr lang="en-US" sz="1600" dirty="0" smtClean="0"/>
+              <a:t>: Allow proper import of Agilent array design files where the chromosome name is not in a strictly numeric or X/Y format.</a:t>
+            </a:r>
           </a:p>
           <a:p>
             <a:pPr lvl="1" eaLnBrk="1" hangingPunct="1"/>
@@ -3832,23 +4025,7 @@
             </a:r>
             <a:r>
               <a:rPr lang="en-US" sz="1600" dirty="0" smtClean="0"/>
-              <a:t>: Experiments </a:t>
-            </a:r>
-            <a:r>
-              <a:rPr lang="en-US" sz="1600" dirty="0" smtClean="0"/>
-              <a:t>with multiple array designs</a:t>
-            </a:r>
-            <a:r>
-              <a:rPr lang="en-US" sz="1600" dirty="0" smtClean="0"/>
-              <a:t> may cause </a:t>
-            </a:r>
-            <a:r>
-              <a:rPr lang="en-US" sz="1600" dirty="0" smtClean="0"/>
-              <a:t>copy number data to get imported as "Imported (Not Parsed</a:t>
-            </a:r>
-            <a:r>
-              <a:rPr lang="en-US" sz="1600" dirty="0" smtClean="0"/>
-              <a:t>)”.</a:t>
+              <a:t>: Experiments with multiple array designs may cause copy number data to get imported as "Imported (Not Parsed)”.</a:t>
             </a:r>
           </a:p>
         </p:txBody>
@@ -3887,31 +4064,52 @@
       </p:grpSpPr>
       <p:sp>
         <p:nvSpPr>
-          <p:cNvPr id="3" name="TextBox 2"/>
-          <p:cNvSpPr txBox="1"/>
-          <p:nvPr/>
+          <p:cNvPr id="9" name="Title 8"/>
+          <p:cNvSpPr>
+            <a:spLocks noGrp="1"/>
+          </p:cNvSpPr>
+          <p:nvPr>
+            <p:ph type="title"/>
+          </p:nvPr>
+        </p:nvSpPr>
+        <p:spPr/>
+        <p:txBody>
+          <a:bodyPr/>
+          <a:lstStyle/>
+          <a:p>
+            <a:r>
+              <a:rPr lang="en-US" dirty="0" smtClean="0"/>
+              <a:t>Demonstration of 2.4.1 Features</a:t>
+            </a:r>
+            <a:endParaRPr lang="en-US" dirty="0"/>
+          </a:p>
+        </p:txBody>
+      </p:sp>
+      <p:sp>
+        <p:nvSpPr>
+          <p:cNvPr id="10" name="Content Placeholder 9"/>
+          <p:cNvSpPr>
+            <a:spLocks noGrp="1"/>
+          </p:cNvSpPr>
+          <p:nvPr>
+            <p:ph idx="1"/>
+          </p:nvPr>
         </p:nvSpPr>
         <p:spPr>
           <a:xfrm>
-            <a:off x="3505200" y="3505200"/>
-            <a:ext cx="2958976" cy="1107996"/>
+            <a:off x="2590800" y="2895600"/>
+            <a:ext cx="3505200" cy="1905000"/>
           </a:xfrm>
-          <a:prstGeom prst="rect">
-            <a:avLst/>
-          </a:prstGeom>
-          <a:noFill/>
         </p:spPr>
         <p:txBody>
-          <a:bodyPr wrap="none" rtlCol="0">
-            <a:spAutoFit/>
-          </a:bodyPr>
+          <a:bodyPr/>
           <a:lstStyle/>
           <a:p>
             <a:r>
-              <a:rPr lang="en-US" sz="6600" dirty="0" smtClean="0"/>
-              <a:t>DEMO!</a:t>
-            </a:r>
-            <a:endParaRPr lang="en-US" sz="6600" dirty="0"/>
+              <a:rPr lang="en-US" sz="4800" b="1" dirty="0" smtClean="0"/>
+              <a:t>DEMO</a:t>
+            </a:r>
+            <a:endParaRPr lang="en-US" sz="4800" b="1" dirty="0"/>
           </a:p>
         </p:txBody>
       </p:sp>
@@ -3960,13 +4158,7 @@
               <a:rPr lang="en-US" dirty="0" smtClean="0">
                 <a:ea typeface="ＭＳ Ｐゴシック" charset="-128"/>
               </a:rPr>
-              <a:t>Next</a:t>
-            </a:r>
-            <a:r>
-              <a:rPr lang="en-US" dirty="0" smtClean="0">
-                <a:ea typeface="ＭＳ Ｐゴシック" charset="-128"/>
-              </a:rPr>
-              <a:t> Major Release</a:t>
+              <a:t>Screenshot: Job Queue</a:t>
             </a:r>
             <a:endParaRPr lang="en-US" dirty="0" smtClean="0">
               <a:ea typeface="ＭＳ Ｐゴシック" charset="-128"/>
@@ -3974,151 +4166,30 @@
           </a:p>
         </p:txBody>
       </p:sp>
-      <p:sp>
-        <p:nvSpPr>
-          <p:cNvPr id="100355" name="Rectangle 3"/>
-          <p:cNvSpPr>
-            <a:spLocks noGrp="1" noChangeArrowheads="1"/>
-          </p:cNvSpPr>
-          <p:nvPr>
-            <p:ph type="body" idx="4294967295"/>
-          </p:nvPr>
-        </p:nvSpPr>
-        <p:spPr/>
-        <p:txBody>
-          <a:bodyPr/>
-          <a:lstStyle/>
-          <a:p>
-            <a:pPr eaLnBrk="1" hangingPunct="1"/>
-            <a:r>
-              <a:rPr lang="en-US" sz="2400" dirty="0" smtClean="0"/>
-              <a:t>2.5.0 </a:t>
-            </a:r>
-            <a:r>
-              <a:rPr lang="en-US" sz="2400" dirty="0" smtClean="0"/>
-              <a:t>main themes</a:t>
-            </a:r>
-            <a:endParaRPr lang="en-US" sz="2400" dirty="0" smtClean="0"/>
-          </a:p>
-          <a:p>
-            <a:pPr lvl="1" eaLnBrk="1" hangingPunct="1"/>
-            <a:r>
-              <a:rPr lang="en-US" sz="1600" dirty="0" smtClean="0"/>
-              <a:t>Easier upload and import </a:t>
-            </a:r>
-            <a:r>
-              <a:rPr lang="en-US" sz="1600" dirty="0" smtClean="0"/>
-              <a:t>of large data sets without having to break them into </a:t>
-            </a:r>
-            <a:r>
-              <a:rPr lang="en-US" sz="1600" dirty="0" smtClean="0"/>
-              <a:t>batches. Files can be stored on the file system rather than in the database</a:t>
-            </a:r>
-            <a:r>
-              <a:rPr lang="en-US" sz="1600" dirty="0" smtClean="0"/>
-              <a:t>.</a:t>
-            </a:r>
-            <a:r>
-              <a:rPr lang="en-US" sz="1600" dirty="0" smtClean="0"/>
-              <a:t> An </a:t>
-            </a:r>
-            <a:r>
-              <a:rPr lang="en-US" sz="1600" dirty="0" smtClean="0"/>
-              <a:t>Upload/Download manager</a:t>
-            </a:r>
-            <a:r>
-              <a:rPr lang="en-US" sz="1600" dirty="0" smtClean="0"/>
-              <a:t> eliminates </a:t>
-            </a:r>
-            <a:r>
-              <a:rPr lang="en-US" sz="1600" dirty="0" smtClean="0"/>
-              <a:t>the 2GB upload limit and allows </a:t>
-            </a:r>
-            <a:r>
-              <a:rPr lang="en-US" sz="1600" dirty="0" err="1" smtClean="0"/>
-              <a:t>resumable</a:t>
-            </a:r>
-            <a:r>
-              <a:rPr lang="en-US" sz="1600" dirty="0" smtClean="0"/>
-              <a:t> </a:t>
-            </a:r>
-            <a:r>
-              <a:rPr lang="en-US" sz="1600" dirty="0" smtClean="0"/>
-              <a:t>uploads.</a:t>
-            </a:r>
-          </a:p>
-          <a:p>
-            <a:pPr lvl="1" eaLnBrk="1" hangingPunct="1"/>
-            <a:r>
-              <a:rPr lang="en-US" sz="1600" dirty="0" smtClean="0"/>
-              <a:t>A plug-in </a:t>
-            </a:r>
-            <a:r>
-              <a:rPr lang="en-US" sz="1600" dirty="0" smtClean="0"/>
-              <a:t>architecture that supports the</a:t>
-            </a:r>
-            <a:r>
-              <a:rPr lang="en-US" sz="1600" dirty="0" smtClean="0"/>
-              <a:t> easy addition </a:t>
-            </a:r>
-            <a:r>
-              <a:rPr lang="en-US" sz="1600" dirty="0" smtClean="0"/>
-              <a:t>of</a:t>
-            </a:r>
-            <a:r>
-              <a:rPr lang="en-US" sz="1600" dirty="0" smtClean="0"/>
-              <a:t> </a:t>
-            </a:r>
-            <a:r>
-              <a:rPr lang="en-US" sz="1600" dirty="0" smtClean="0"/>
-              <a:t>parsers for new data types without </a:t>
-            </a:r>
-            <a:r>
-              <a:rPr lang="en-US" sz="1600" dirty="0" smtClean="0"/>
-              <a:t>requiring a new application </a:t>
-            </a:r>
-            <a:r>
-              <a:rPr lang="en-US" sz="1600" dirty="0" smtClean="0"/>
-              <a:t>release. Plug-ins </a:t>
-            </a:r>
-            <a:r>
-              <a:rPr lang="en-US" sz="1600" dirty="0" smtClean="0"/>
-              <a:t>can be hot-deployed into a running caArray instance and are instantly picked up and incorporated into the </a:t>
-            </a:r>
-            <a:r>
-              <a:rPr lang="en-US" sz="1600" dirty="0" smtClean="0"/>
-              <a:t>application.</a:t>
-            </a:r>
-          </a:p>
-          <a:p>
-            <a:pPr lvl="1" eaLnBrk="1" hangingPunct="1"/>
-            <a:r>
-              <a:rPr lang="en-US" sz="1600" dirty="0" smtClean="0"/>
-              <a:t>Update </a:t>
-            </a:r>
-            <a:r>
-              <a:rPr lang="en-US" sz="1600" dirty="0" smtClean="0"/>
-              <a:t>the technology stack (</a:t>
-            </a:r>
-            <a:r>
-              <a:rPr lang="en-US" sz="1600" dirty="0" err="1" smtClean="0"/>
-              <a:t>Jboss</a:t>
-            </a:r>
-            <a:r>
-              <a:rPr lang="en-US" sz="1600" dirty="0" smtClean="0"/>
-              <a:t> 5.1, </a:t>
-            </a:r>
-            <a:r>
-              <a:rPr lang="en-US" sz="1600" dirty="0" err="1" smtClean="0"/>
-              <a:t>MySQL</a:t>
-            </a:r>
-            <a:r>
-              <a:rPr lang="en-US" sz="1600" dirty="0" smtClean="0"/>
-              <a:t> 5.1, BDA 1.7, Java 6)</a:t>
-            </a:r>
-          </a:p>
-        </p:txBody>
-      </p:sp>
+      <p:pic>
+        <p:nvPicPr>
+          <p:cNvPr id="4" name="Picture 3" descr="job_queue.png"/>
+          <p:cNvPicPr>
+            <a:picLocks noChangeAspect="1"/>
+          </p:cNvPicPr>
+          <p:nvPr/>
+        </p:nvPicPr>
+        <p:blipFill>
+          <a:blip r:embed="rId3"/>
+          <a:stretch>
+            <a:fillRect/>
+          </a:stretch>
+        </p:blipFill>
+        <p:spPr>
+          <a:xfrm>
+            <a:off x="1219200" y="2513118"/>
+            <a:ext cx="7924800" cy="4344882"/>
+          </a:xfrm>
+          <a:prstGeom prst="rect">
+            <a:avLst/>
+          </a:prstGeom>
+        </p:spPr>
+      </p:pic>
     </p:spTree>
   </p:cSld>
   <p:clrMapOvr>
@@ -4135,6 +4206,431 @@
 </file>
 
 <file path=ppt/slides/slide5.xml><?xml version="1.0" encoding="utf-8"?>
+<p:sld xmlns:a="http://schemas.openxmlformats.org/drawingml/2006/main" xmlns:r="http://schemas.openxmlformats.org/officeDocument/2006/relationships" xmlns:mc="http://schemas.openxmlformats.org/markup-compatibility/2006" xmlns:mv="urn:schemas-microsoft-com:mac:vml" xmlns:p="http://schemas.openxmlformats.org/presentationml/2006/main" mc:Ignorable="mv" mc:PreserveAttributes="mv:*">
+  <p:cSld>
+    <p:spTree>
+      <p:nvGrpSpPr>
+        <p:cNvPr id="1" name=""/>
+        <p:cNvGrpSpPr/>
+        <p:nvPr/>
+      </p:nvGrpSpPr>
+      <p:grpSpPr>
+        <a:xfrm>
+          <a:off x="0" y="0"/>
+          <a:ext cx="0" cy="0"/>
+          <a:chOff x="0" y="0"/>
+          <a:chExt cx="0" cy="0"/>
+        </a:xfrm>
+      </p:grpSpPr>
+      <p:sp>
+        <p:nvSpPr>
+          <p:cNvPr id="100354" name="Rectangle 2"/>
+          <p:cNvSpPr>
+            <a:spLocks noGrp="1" noChangeArrowheads="1"/>
+          </p:cNvSpPr>
+          <p:nvPr>
+            <p:ph type="title" idx="4294967295"/>
+          </p:nvPr>
+        </p:nvSpPr>
+        <p:spPr/>
+        <p:txBody>
+          <a:bodyPr/>
+          <a:lstStyle/>
+          <a:p>
+            <a:pPr eaLnBrk="1" hangingPunct="1"/>
+            <a:r>
+              <a:rPr lang="en-US" dirty="0" smtClean="0">
+                <a:ea typeface="ＭＳ Ｐゴシック" charset="-128"/>
+              </a:rPr>
+              <a:t>Screenshot: Organisms from the NCBI Taxonomy</a:t>
+            </a:r>
+            <a:endParaRPr lang="en-US" dirty="0" smtClean="0">
+              <a:ea typeface="ＭＳ Ｐゴシック" charset="-128"/>
+            </a:endParaRPr>
+          </a:p>
+        </p:txBody>
+      </p:sp>
+      <p:pic>
+        <p:nvPicPr>
+          <p:cNvPr id="4" name="Picture 3" descr="organisms.png"/>
+          <p:cNvPicPr>
+            <a:picLocks noChangeAspect="1"/>
+          </p:cNvPicPr>
+          <p:nvPr/>
+        </p:nvPicPr>
+        <p:blipFill>
+          <a:blip r:embed="rId3"/>
+          <a:stretch>
+            <a:fillRect/>
+          </a:stretch>
+        </p:blipFill>
+        <p:spPr>
+          <a:xfrm>
+            <a:off x="2133600" y="1416611"/>
+            <a:ext cx="6277751" cy="5441389"/>
+          </a:xfrm>
+          <a:prstGeom prst="rect">
+            <a:avLst/>
+          </a:prstGeom>
+        </p:spPr>
+      </p:pic>
+    </p:spTree>
+  </p:cSld>
+  <p:clrMapOvr>
+    <a:masterClrMapping/>
+  </p:clrMapOvr>
+  <p:timing>
+    <p:tnLst>
+      <p:par>
+        <p:cTn id="1" dur="indefinite" restart="never" nodeType="tmRoot"/>
+      </p:par>
+    </p:tnLst>
+  </p:timing>
+</p:sld>
+</file>
+
+<file path=ppt/slides/slide6.xml><?xml version="1.0" encoding="utf-8"?>
+<p:sld xmlns:a="http://schemas.openxmlformats.org/drawingml/2006/main" xmlns:r="http://schemas.openxmlformats.org/officeDocument/2006/relationships" xmlns:mc="http://schemas.openxmlformats.org/markup-compatibility/2006" xmlns:mv="urn:schemas-microsoft-com:mac:vml" xmlns:p="http://schemas.openxmlformats.org/presentationml/2006/main" mc:Ignorable="mv" mc:PreserveAttributes="mv:*">
+  <p:cSld>
+    <p:spTree>
+      <p:nvGrpSpPr>
+        <p:cNvPr id="1" name=""/>
+        <p:cNvGrpSpPr/>
+        <p:nvPr/>
+      </p:nvGrpSpPr>
+      <p:grpSpPr>
+        <a:xfrm>
+          <a:off x="0" y="0"/>
+          <a:ext cx="0" cy="0"/>
+          <a:chOff x="0" y="0"/>
+          <a:chExt cx="0" cy="0"/>
+        </a:xfrm>
+      </p:grpSpPr>
+      <p:sp>
+        <p:nvSpPr>
+          <p:cNvPr id="100354" name="Rectangle 2"/>
+          <p:cNvSpPr>
+            <a:spLocks noGrp="1" noChangeArrowheads="1"/>
+          </p:cNvSpPr>
+          <p:nvPr>
+            <p:ph type="title" idx="4294967295"/>
+          </p:nvPr>
+        </p:nvSpPr>
+        <p:spPr/>
+        <p:txBody>
+          <a:bodyPr/>
+          <a:lstStyle/>
+          <a:p>
+            <a:pPr eaLnBrk="1" hangingPunct="1"/>
+            <a:r>
+              <a:rPr lang="en-US" dirty="0" smtClean="0">
+                <a:ea typeface="ＭＳ Ｐゴシック" charset="-128"/>
+              </a:rPr>
+              <a:t>Screenshots: Search by Publication</a:t>
+            </a:r>
+            <a:endParaRPr lang="en-US" dirty="0" smtClean="0">
+              <a:ea typeface="ＭＳ Ｐゴシック" charset="-128"/>
+            </a:endParaRPr>
+          </a:p>
+        </p:txBody>
+      </p:sp>
+      <p:pic>
+        <p:nvPicPr>
+          <p:cNvPr id="4" name="Picture 3" descr="search_criteria.png"/>
+          <p:cNvPicPr>
+            <a:picLocks noChangeAspect="1"/>
+          </p:cNvPicPr>
+          <p:nvPr/>
+        </p:nvPicPr>
+        <p:blipFill>
+          <a:blip r:embed="rId3"/>
+          <a:stretch>
+            <a:fillRect/>
+          </a:stretch>
+        </p:blipFill>
+        <p:spPr>
+          <a:xfrm>
+            <a:off x="1378191" y="1828800"/>
+            <a:ext cx="7765809" cy="4114800"/>
+          </a:xfrm>
+          <a:prstGeom prst="rect">
+            <a:avLst/>
+          </a:prstGeom>
+        </p:spPr>
+      </p:pic>
+    </p:spTree>
+  </p:cSld>
+  <p:clrMapOvr>
+    <a:masterClrMapping/>
+  </p:clrMapOvr>
+  <p:timing>
+    <p:tnLst>
+      <p:par>
+        <p:cTn id="1" dur="indefinite" restart="never" nodeType="tmRoot"/>
+      </p:par>
+    </p:tnLst>
+  </p:timing>
+</p:sld>
+</file>
+
+<file path=ppt/slides/slide7.xml><?xml version="1.0" encoding="utf-8"?>
+<p:sld xmlns:a="http://schemas.openxmlformats.org/drawingml/2006/main" xmlns:r="http://schemas.openxmlformats.org/officeDocument/2006/relationships" xmlns:mc="http://schemas.openxmlformats.org/markup-compatibility/2006" xmlns:mv="urn:schemas-microsoft-com:mac:vml" xmlns:p="http://schemas.openxmlformats.org/presentationml/2006/main" mc:Ignorable="mv" mc:PreserveAttributes="mv:*">
+  <p:cSld>
+    <p:spTree>
+      <p:nvGrpSpPr>
+        <p:cNvPr id="1" name=""/>
+        <p:cNvGrpSpPr/>
+        <p:nvPr/>
+      </p:nvGrpSpPr>
+      <p:grpSpPr>
+        <a:xfrm>
+          <a:off x="0" y="0"/>
+          <a:ext cx="0" cy="0"/>
+          <a:chOff x="0" y="0"/>
+          <a:chExt cx="0" cy="0"/>
+        </a:xfrm>
+      </p:grpSpPr>
+      <p:sp>
+        <p:nvSpPr>
+          <p:cNvPr id="100354" name="Rectangle 2"/>
+          <p:cNvSpPr>
+            <a:spLocks noGrp="1" noChangeArrowheads="1"/>
+          </p:cNvSpPr>
+          <p:nvPr>
+            <p:ph type="title" idx="4294967295"/>
+          </p:nvPr>
+        </p:nvSpPr>
+        <p:spPr/>
+        <p:txBody>
+          <a:bodyPr/>
+          <a:lstStyle/>
+          <a:p>
+            <a:pPr eaLnBrk="1" hangingPunct="1"/>
+            <a:r>
+              <a:rPr lang="en-US" dirty="0" smtClean="0">
+                <a:ea typeface="ＭＳ Ｐゴシック" charset="-128"/>
+              </a:rPr>
+              <a:t>Screenshots: Search by Publication</a:t>
+            </a:r>
+            <a:endParaRPr lang="en-US" dirty="0" smtClean="0">
+              <a:ea typeface="ＭＳ Ｐゴシック" charset="-128"/>
+            </a:endParaRPr>
+          </a:p>
+        </p:txBody>
+      </p:sp>
+      <p:pic>
+        <p:nvPicPr>
+          <p:cNvPr id="5" name="Picture 4" descr="search_by_pubmed_id.png"/>
+          <p:cNvPicPr>
+            <a:picLocks noChangeAspect="1"/>
+          </p:cNvPicPr>
+          <p:nvPr/>
+        </p:nvPicPr>
+        <p:blipFill>
+          <a:blip r:embed="rId3"/>
+          <a:stretch>
+            <a:fillRect/>
+          </a:stretch>
+        </p:blipFill>
+        <p:spPr>
+          <a:xfrm>
+            <a:off x="1371600" y="1371600"/>
+            <a:ext cx="2667000" cy="1958163"/>
+          </a:xfrm>
+          <a:prstGeom prst="rect">
+            <a:avLst/>
+          </a:prstGeom>
+        </p:spPr>
+      </p:pic>
+      <p:pic>
+        <p:nvPicPr>
+          <p:cNvPr id="6" name="Picture 5" descr="search_by_author.png"/>
+          <p:cNvPicPr>
+            <a:picLocks noChangeAspect="1"/>
+          </p:cNvPicPr>
+          <p:nvPr/>
+        </p:nvPicPr>
+        <p:blipFill>
+          <a:blip r:embed="rId4"/>
+          <a:stretch>
+            <a:fillRect/>
+          </a:stretch>
+        </p:blipFill>
+        <p:spPr>
+          <a:xfrm>
+            <a:off x="3581400" y="1752600"/>
+            <a:ext cx="3352800" cy="2449689"/>
+          </a:xfrm>
+          <a:prstGeom prst="rect">
+            <a:avLst/>
+          </a:prstGeom>
+        </p:spPr>
+      </p:pic>
+      <p:pic>
+        <p:nvPicPr>
+          <p:cNvPr id="7" name="Picture 6" descr="search_by_author_results.png"/>
+          <p:cNvPicPr>
+            <a:picLocks noChangeAspect="1"/>
+          </p:cNvPicPr>
+          <p:nvPr/>
+        </p:nvPicPr>
+        <p:blipFill>
+          <a:blip r:embed="rId5"/>
+          <a:stretch>
+            <a:fillRect/>
+          </a:stretch>
+        </p:blipFill>
+        <p:spPr>
+          <a:xfrm>
+            <a:off x="19050" y="4564063"/>
+            <a:ext cx="9124950" cy="2021430"/>
+          </a:xfrm>
+          <a:prstGeom prst="rect">
+            <a:avLst/>
+          </a:prstGeom>
+        </p:spPr>
+      </p:pic>
+    </p:spTree>
+  </p:cSld>
+  <p:clrMapOvr>
+    <a:masterClrMapping/>
+  </p:clrMapOvr>
+  <p:timing>
+    <p:tnLst>
+      <p:par>
+        <p:cTn id="1" dur="indefinite" restart="never" nodeType="tmRoot"/>
+      </p:par>
+    </p:tnLst>
+  </p:timing>
+</p:sld>
+</file>
+
+<file path=ppt/slides/slide8.xml><?xml version="1.0" encoding="utf-8"?>
+<p:sld xmlns:a="http://schemas.openxmlformats.org/drawingml/2006/main" xmlns:r="http://schemas.openxmlformats.org/officeDocument/2006/relationships" xmlns:mc="http://schemas.openxmlformats.org/markup-compatibility/2006" xmlns:mv="urn:schemas-microsoft-com:mac:vml" xmlns:p="http://schemas.openxmlformats.org/presentationml/2006/main" mc:Ignorable="mv" mc:PreserveAttributes="mv:*">
+  <p:cSld>
+    <p:spTree>
+      <p:nvGrpSpPr>
+        <p:cNvPr id="1" name=""/>
+        <p:cNvGrpSpPr/>
+        <p:nvPr/>
+      </p:nvGrpSpPr>
+      <p:grpSpPr>
+        <a:xfrm>
+          <a:off x="0" y="0"/>
+          <a:ext cx="0" cy="0"/>
+          <a:chOff x="0" y="0"/>
+          <a:chExt cx="0" cy="0"/>
+        </a:xfrm>
+      </p:grpSpPr>
+      <p:sp>
+        <p:nvSpPr>
+          <p:cNvPr id="100354" name="Rectangle 2"/>
+          <p:cNvSpPr>
+            <a:spLocks noGrp="1" noChangeArrowheads="1"/>
+          </p:cNvSpPr>
+          <p:nvPr>
+            <p:ph type="title" idx="4294967295"/>
+          </p:nvPr>
+        </p:nvSpPr>
+        <p:spPr/>
+        <p:txBody>
+          <a:bodyPr/>
+          <a:lstStyle/>
+          <a:p>
+            <a:pPr eaLnBrk="1" hangingPunct="1"/>
+            <a:r>
+              <a:rPr lang="en-US" dirty="0" smtClean="0">
+                <a:ea typeface="ＭＳ Ｐゴシック" charset="-128"/>
+              </a:rPr>
+              <a:t>Next Major Release</a:t>
+            </a:r>
+          </a:p>
+        </p:txBody>
+      </p:sp>
+      <p:sp>
+        <p:nvSpPr>
+          <p:cNvPr id="100355" name="Rectangle 3"/>
+          <p:cNvSpPr>
+            <a:spLocks noGrp="1" noChangeArrowheads="1"/>
+          </p:cNvSpPr>
+          <p:nvPr>
+            <p:ph type="body" idx="4294967295"/>
+          </p:nvPr>
+        </p:nvSpPr>
+        <p:spPr/>
+        <p:txBody>
+          <a:bodyPr/>
+          <a:lstStyle/>
+          <a:p>
+            <a:pPr eaLnBrk="1" hangingPunct="1"/>
+            <a:r>
+              <a:rPr lang="en-US" sz="2400" dirty="0" smtClean="0"/>
+              <a:t>2.5.0 main themes</a:t>
+            </a:r>
+          </a:p>
+          <a:p>
+            <a:pPr lvl="1" eaLnBrk="1" hangingPunct="1"/>
+            <a:r>
+              <a:rPr lang="en-US" sz="1600" dirty="0" smtClean="0"/>
+              <a:t>Easier upload and import of large data sets without having to break them into batches. Files can be stored on the file system rather than in the database. An Upload/Download manager eliminates the 2GB upload limit and allows </a:t>
+            </a:r>
+            <a:r>
+              <a:rPr lang="en-US" sz="1600" dirty="0" err="1" smtClean="0"/>
+              <a:t>resumable</a:t>
+            </a:r>
+            <a:r>
+              <a:rPr lang="en-US" sz="1600" dirty="0" smtClean="0"/>
+              <a:t> uploads.</a:t>
+            </a:r>
+          </a:p>
+          <a:p>
+            <a:pPr lvl="1" eaLnBrk="1" hangingPunct="1"/>
+            <a:r>
+              <a:rPr lang="en-US" sz="1600" dirty="0" smtClean="0"/>
+              <a:t>A plug-in architecture that supports the easy addition of parsers for new data types without requiring a new application release. Plug-ins can be hot-deployed into a running caArray instance and are instantly picked up and incorporated into the application.</a:t>
+            </a:r>
+          </a:p>
+          <a:p>
+            <a:pPr lvl="1" eaLnBrk="1" hangingPunct="1"/>
+            <a:r>
+              <a:rPr lang="en-US" sz="1600" dirty="0" smtClean="0"/>
+              <a:t>Update the technology stack (</a:t>
+            </a:r>
+            <a:r>
+              <a:rPr lang="en-US" sz="1600" dirty="0" err="1" smtClean="0"/>
+              <a:t>Jboss</a:t>
+            </a:r>
+            <a:r>
+              <a:rPr lang="en-US" sz="1600" dirty="0" smtClean="0"/>
+              <a:t> 5.1, </a:t>
+            </a:r>
+            <a:r>
+              <a:rPr lang="en-US" sz="1600" dirty="0" err="1" smtClean="0"/>
+              <a:t>MySQL</a:t>
+            </a:r>
+            <a:r>
+              <a:rPr lang="en-US" sz="1600" dirty="0" smtClean="0"/>
+              <a:t> 5.1, BDA 1.7, Java 6)</a:t>
+            </a:r>
+          </a:p>
+        </p:txBody>
+      </p:sp>
+    </p:spTree>
+  </p:cSld>
+  <p:clrMapOvr>
+    <a:masterClrMapping/>
+  </p:clrMapOvr>
+  <p:timing>
+    <p:tnLst>
+      <p:par>
+        <p:cTn id="1" dur="indefinite" restart="never" nodeType="tmRoot"/>
+      </p:par>
+    </p:tnLst>
+  </p:timing>
+</p:sld>
+</file>
+
+<file path=ppt/slides/slide9.xml><?xml version="1.0" encoding="utf-8"?>
 <p:sld xmlns:a="http://schemas.openxmlformats.org/drawingml/2006/main" xmlns:r="http://schemas.openxmlformats.org/officeDocument/2006/relationships" xmlns:mc="http://schemas.openxmlformats.org/markup-compatibility/2006" xmlns:mv="urn:schemas-microsoft-com:mac:vml" xmlns:p="http://schemas.openxmlformats.org/presentationml/2006/main" mc:Ignorable="mv" mc:PreserveAttributes="mv:*">
   <p:cSld>
     <p:spTree>

--- a/project_management/open_meetings/ICR_WS_Meeting_2011_05_11.pptx
+++ b/project_management/open_meetings/ICR_WS_Meeting_2011_05_11.pptx
@@ -1,6 +1,6 @@
 
 <file path=ppt/presentation.xml><?xml version="1.0" encoding="utf-8"?>
-<p:presentation xmlns:a="http://schemas.openxmlformats.org/drawingml/2006/main" xmlns:r="http://schemas.openxmlformats.org/officeDocument/2006/relationships" xmlns:mc="http://schemas.openxmlformats.org/markup-compatibility/2006" xmlns:mv="urn:schemas-microsoft-com:mac:vml" xmlns:p="http://schemas.openxmlformats.org/presentationml/2006/main" mc:Ignorable="mv" mc:PreserveAttributes="mv:*" showSpecialPlsOnTitleSld="0" saveSubsetFonts="1">
+<p:presentation xmlns:a="http://schemas.openxmlformats.org/drawingml/2006/main" xmlns:r="http://schemas.openxmlformats.org/officeDocument/2006/relationships" xmlns:p="http://schemas.openxmlformats.org/presentationml/2006/main" showSpecialPlsOnTitleSld="0" saveSubsetFonts="1">
   <p:sldMasterIdLst>
     <p:sldMasterId id="2147483648" r:id="rId1"/>
   </p:sldMasterIdLst>
@@ -152,7 +152,7 @@
 </file>
 
 <file path=ppt/handoutMasters/handoutMaster1.xml><?xml version="1.0" encoding="utf-8"?>
-<p:handoutMaster xmlns:a="http://schemas.openxmlformats.org/drawingml/2006/main" xmlns:r="http://schemas.openxmlformats.org/officeDocument/2006/relationships" xmlns:mc="http://schemas.openxmlformats.org/markup-compatibility/2006" xmlns:mv="urn:schemas-microsoft-com:mac:vml" xmlns:p="http://schemas.openxmlformats.org/presentationml/2006/main" mc:Ignorable="mv" mc:PreserveAttributes="mv:*">
+<p:handoutMaster xmlns:a="http://schemas.openxmlformats.org/drawingml/2006/main" xmlns:r="http://schemas.openxmlformats.org/officeDocument/2006/relationships" xmlns:p="http://schemas.openxmlformats.org/presentationml/2006/main">
   <p:cSld>
     <p:bg>
       <p:bgRef idx="1001">
@@ -234,7 +234,7 @@
             <a:fld id="{19C1E9F1-3EC1-6444-B428-4F8E6DCDED3B}" type="datetimeFigureOut">
               <a:rPr lang="en-US" smtClean="0"/>
               <a:pPr/>
-              <a:t>5/9/11</a:t>
+              <a:t>5/9/2011</a:t>
             </a:fld>
             <a:endParaRPr lang="en-US"/>
           </a:p>
@@ -315,7 +315,7 @@
 </file>
 
 <file path=ppt/notesMasters/notesMaster1.xml><?xml version="1.0" encoding="utf-8"?>
-<p:notesMaster xmlns:a="http://schemas.openxmlformats.org/drawingml/2006/main" xmlns:r="http://schemas.openxmlformats.org/officeDocument/2006/relationships" xmlns:mc="http://schemas.openxmlformats.org/markup-compatibility/2006" xmlns:mv="urn:schemas-microsoft-com:mac:vml" xmlns:p="http://schemas.openxmlformats.org/presentationml/2006/main" mc:Ignorable="mv" mc:PreserveAttributes="mv:*">
+<p:notesMaster xmlns:a="http://schemas.openxmlformats.org/drawingml/2006/main" xmlns:r="http://schemas.openxmlformats.org/officeDocument/2006/relationships" xmlns:p="http://schemas.openxmlformats.org/presentationml/2006/main">
   <p:cSld>
     <p:bg>
       <p:bgPr>
@@ -767,7 +767,7 @@
 </file>
 
 <file path=ppt/notesSlides/notesSlide1.xml><?xml version="1.0" encoding="utf-8"?>
-<p:notes xmlns:a="http://schemas.openxmlformats.org/drawingml/2006/main" xmlns:r="http://schemas.openxmlformats.org/officeDocument/2006/relationships" xmlns:mc="http://schemas.openxmlformats.org/markup-compatibility/2006" xmlns:mv="urn:schemas-microsoft-com:mac:vml" xmlns:p="http://schemas.openxmlformats.org/presentationml/2006/main" mc:Ignorable="mv" mc:PreserveAttributes="mv:*">
+<p:notes xmlns:a="http://schemas.openxmlformats.org/drawingml/2006/main" xmlns:r="http://schemas.openxmlformats.org/officeDocument/2006/relationships" xmlns:p="http://schemas.openxmlformats.org/presentationml/2006/main">
   <p:cSld>
     <p:spTree>
       <p:nvGrpSpPr>
@@ -869,7 +869,7 @@
 </file>
 
 <file path=ppt/notesSlides/notesSlide2.xml><?xml version="1.0" encoding="utf-8"?>
-<p:notes xmlns:a="http://schemas.openxmlformats.org/drawingml/2006/main" xmlns:r="http://schemas.openxmlformats.org/officeDocument/2006/relationships" xmlns:mc="http://schemas.openxmlformats.org/markup-compatibility/2006" xmlns:mv="urn:schemas-microsoft-com:mac:vml" xmlns:p="http://schemas.openxmlformats.org/presentationml/2006/main" mc:Ignorable="mv" mc:PreserveAttributes="mv:*">
+<p:notes xmlns:a="http://schemas.openxmlformats.org/drawingml/2006/main" xmlns:r="http://schemas.openxmlformats.org/officeDocument/2006/relationships" xmlns:p="http://schemas.openxmlformats.org/presentationml/2006/main">
   <p:cSld>
     <p:spTree>
       <p:nvGrpSpPr>
@@ -932,7 +932,7 @@
 </file>
 
 <file path=ppt/notesSlides/notesSlide3.xml><?xml version="1.0" encoding="utf-8"?>
-<p:notes xmlns:a="http://schemas.openxmlformats.org/drawingml/2006/main" xmlns:r="http://schemas.openxmlformats.org/officeDocument/2006/relationships" xmlns:mc="http://schemas.openxmlformats.org/markup-compatibility/2006" xmlns:mv="urn:schemas-microsoft-com:mac:vml" xmlns:p="http://schemas.openxmlformats.org/presentationml/2006/main" mc:Ignorable="mv" mc:PreserveAttributes="mv:*">
+<p:notes xmlns:a="http://schemas.openxmlformats.org/drawingml/2006/main" xmlns:r="http://schemas.openxmlformats.org/officeDocument/2006/relationships" xmlns:p="http://schemas.openxmlformats.org/presentationml/2006/main">
   <p:cSld>
     <p:spTree>
       <p:nvGrpSpPr>
@@ -995,7 +995,7 @@
 </file>
 
 <file path=ppt/notesSlides/notesSlide4.xml><?xml version="1.0" encoding="utf-8"?>
-<p:notes xmlns:a="http://schemas.openxmlformats.org/drawingml/2006/main" xmlns:r="http://schemas.openxmlformats.org/officeDocument/2006/relationships" xmlns:mc="http://schemas.openxmlformats.org/markup-compatibility/2006" xmlns:mv="urn:schemas-microsoft-com:mac:vml" xmlns:p="http://schemas.openxmlformats.org/presentationml/2006/main" mc:Ignorable="mv" mc:PreserveAttributes="mv:*">
+<p:notes xmlns:a="http://schemas.openxmlformats.org/drawingml/2006/main" xmlns:r="http://schemas.openxmlformats.org/officeDocument/2006/relationships" xmlns:p="http://schemas.openxmlformats.org/presentationml/2006/main">
   <p:cSld>
     <p:spTree>
       <p:nvGrpSpPr>
@@ -1058,7 +1058,7 @@
 </file>
 
 <file path=ppt/notesSlides/notesSlide5.xml><?xml version="1.0" encoding="utf-8"?>
-<p:notes xmlns:a="http://schemas.openxmlformats.org/drawingml/2006/main" xmlns:r="http://schemas.openxmlformats.org/officeDocument/2006/relationships" xmlns:mc="http://schemas.openxmlformats.org/markup-compatibility/2006" xmlns:mv="urn:schemas-microsoft-com:mac:vml" xmlns:p="http://schemas.openxmlformats.org/presentationml/2006/main" mc:Ignorable="mv" mc:PreserveAttributes="mv:*">
+<p:notes xmlns:a="http://schemas.openxmlformats.org/drawingml/2006/main" xmlns:r="http://schemas.openxmlformats.org/officeDocument/2006/relationships" xmlns:p="http://schemas.openxmlformats.org/presentationml/2006/main">
   <p:cSld>
     <p:spTree>
       <p:nvGrpSpPr>
@@ -1121,7 +1121,7 @@
 </file>
 
 <file path=ppt/notesSlides/notesSlide6.xml><?xml version="1.0" encoding="utf-8"?>
-<p:notes xmlns:a="http://schemas.openxmlformats.org/drawingml/2006/main" xmlns:r="http://schemas.openxmlformats.org/officeDocument/2006/relationships" xmlns:mc="http://schemas.openxmlformats.org/markup-compatibility/2006" xmlns:mv="urn:schemas-microsoft-com:mac:vml" xmlns:p="http://schemas.openxmlformats.org/presentationml/2006/main" mc:Ignorable="mv" mc:PreserveAttributes="mv:*">
+<p:notes xmlns:a="http://schemas.openxmlformats.org/drawingml/2006/main" xmlns:r="http://schemas.openxmlformats.org/officeDocument/2006/relationships" xmlns:p="http://schemas.openxmlformats.org/presentationml/2006/main">
   <p:cSld>
     <p:spTree>
       <p:nvGrpSpPr>
@@ -1184,7 +1184,7 @@
 </file>
 
 <file path=ppt/notesSlides/notesSlide7.xml><?xml version="1.0" encoding="utf-8"?>
-<p:notes xmlns:a="http://schemas.openxmlformats.org/drawingml/2006/main" xmlns:r="http://schemas.openxmlformats.org/officeDocument/2006/relationships" xmlns:mc="http://schemas.openxmlformats.org/markup-compatibility/2006" xmlns:mv="urn:schemas-microsoft-com:mac:vml" xmlns:p="http://schemas.openxmlformats.org/presentationml/2006/main" mc:Ignorable="mv" mc:PreserveAttributes="mv:*">
+<p:notes xmlns:a="http://schemas.openxmlformats.org/drawingml/2006/main" xmlns:r="http://schemas.openxmlformats.org/officeDocument/2006/relationships" xmlns:p="http://schemas.openxmlformats.org/presentationml/2006/main">
   <p:cSld>
     <p:spTree>
       <p:nvGrpSpPr>
@@ -1247,7 +1247,7 @@
 </file>
 
 <file path=ppt/notesSlides/notesSlide8.xml><?xml version="1.0" encoding="utf-8"?>
-<p:notes xmlns:a="http://schemas.openxmlformats.org/drawingml/2006/main" xmlns:r="http://schemas.openxmlformats.org/officeDocument/2006/relationships" xmlns:mc="http://schemas.openxmlformats.org/markup-compatibility/2006" xmlns:mv="urn:schemas-microsoft-com:mac:vml" xmlns:p="http://schemas.openxmlformats.org/presentationml/2006/main" mc:Ignorable="mv" mc:PreserveAttributes="mv:*">
+<p:notes xmlns:a="http://schemas.openxmlformats.org/drawingml/2006/main" xmlns:r="http://schemas.openxmlformats.org/officeDocument/2006/relationships" xmlns:p="http://schemas.openxmlformats.org/presentationml/2006/main">
   <p:cSld>
     <p:spTree>
       <p:nvGrpSpPr>
@@ -1310,7 +1310,7 @@
 </file>
 
 <file path=ppt/slideLayouts/slideLayout1.xml><?xml version="1.0" encoding="utf-8"?>
-<p:sldLayout xmlns:a="http://schemas.openxmlformats.org/drawingml/2006/main" xmlns:r="http://schemas.openxmlformats.org/officeDocument/2006/relationships" xmlns:mc="http://schemas.openxmlformats.org/markup-compatibility/2006" xmlns:mv="urn:schemas-microsoft-com:mac:vml" xmlns:p="http://schemas.openxmlformats.org/presentationml/2006/main" mc:Ignorable="mv" mc:PreserveAttributes="mv:*" showMasterSp="0" type="title" preserve="1">
+<p:sldLayout xmlns:a="http://schemas.openxmlformats.org/drawingml/2006/main" xmlns:r="http://schemas.openxmlformats.org/officeDocument/2006/relationships" xmlns:p="http://schemas.openxmlformats.org/presentationml/2006/main" showMasterSp="0" type="title" preserve="1">
   <p:cSld name="Title Slide">
     <p:spTree>
       <p:nvGrpSpPr>
@@ -1335,7 +1335,7 @@
           <p:nvPr userDrawn="1"/>
         </p:nvPicPr>
         <p:blipFill>
-          <a:blip r:embed="rId2"/>
+          <a:blip r:embed="rId2" cstate="print"/>
           <a:srcRect/>
           <a:stretch>
             <a:fillRect/>
@@ -1367,7 +1367,7 @@
           <p:nvPr userDrawn="1"/>
         </p:nvPicPr>
         <p:blipFill>
-          <a:blip r:embed="rId3"/>
+          <a:blip r:embed="rId3" cstate="print"/>
           <a:srcRect r="85001"/>
           <a:stretch>
             <a:fillRect/>
@@ -1434,7 +1434,7 @@
 </file>
 
 <file path=ppt/slideLayouts/slideLayout10.xml><?xml version="1.0" encoding="utf-8"?>
-<p:sldLayout xmlns:a="http://schemas.openxmlformats.org/drawingml/2006/main" xmlns:r="http://schemas.openxmlformats.org/officeDocument/2006/relationships" xmlns:mc="http://schemas.openxmlformats.org/markup-compatibility/2006" xmlns:mv="urn:schemas-microsoft-com:mac:vml" xmlns:p="http://schemas.openxmlformats.org/presentationml/2006/main" mc:Ignorable="mv" mc:PreserveAttributes="mv:*" type="vertTx" preserve="1">
+<p:sldLayout xmlns:a="http://schemas.openxmlformats.org/drawingml/2006/main" xmlns:r="http://schemas.openxmlformats.org/officeDocument/2006/relationships" xmlns:p="http://schemas.openxmlformats.org/presentationml/2006/main" type="vertTx" preserve="1">
   <p:cSld name="Title and Vertical Text">
     <p:spTree>
       <p:nvGrpSpPr>
@@ -1534,7 +1534,7 @@
 </file>
 
 <file path=ppt/slideLayouts/slideLayout11.xml><?xml version="1.0" encoding="utf-8"?>
-<p:sldLayout xmlns:a="http://schemas.openxmlformats.org/drawingml/2006/main" xmlns:r="http://schemas.openxmlformats.org/officeDocument/2006/relationships" xmlns:mc="http://schemas.openxmlformats.org/markup-compatibility/2006" xmlns:mv="urn:schemas-microsoft-com:mac:vml" xmlns:p="http://schemas.openxmlformats.org/presentationml/2006/main" mc:Ignorable="mv" mc:PreserveAttributes="mv:*" type="vertTitleAndTx" preserve="1">
+<p:sldLayout xmlns:a="http://schemas.openxmlformats.org/drawingml/2006/main" xmlns:r="http://schemas.openxmlformats.org/officeDocument/2006/relationships" xmlns:p="http://schemas.openxmlformats.org/presentationml/2006/main" type="vertTitleAndTx" preserve="1">
   <p:cSld name="Vertical Title and Text">
     <p:spTree>
       <p:nvGrpSpPr>
@@ -1644,7 +1644,7 @@
 </file>
 
 <file path=ppt/slideLayouts/slideLayout2.xml><?xml version="1.0" encoding="utf-8"?>
-<p:sldLayout xmlns:a="http://schemas.openxmlformats.org/drawingml/2006/main" xmlns:r="http://schemas.openxmlformats.org/officeDocument/2006/relationships" xmlns:mc="http://schemas.openxmlformats.org/markup-compatibility/2006" xmlns:mv="urn:schemas-microsoft-com:mac:vml" xmlns:p="http://schemas.openxmlformats.org/presentationml/2006/main" mc:Ignorable="mv" mc:PreserveAttributes="mv:*" type="obj" preserve="1">
+<p:sldLayout xmlns:a="http://schemas.openxmlformats.org/drawingml/2006/main" xmlns:r="http://schemas.openxmlformats.org/officeDocument/2006/relationships" xmlns:p="http://schemas.openxmlformats.org/presentationml/2006/main" type="obj" preserve="1">
   <p:cSld name="Title and Content">
     <p:spTree>
       <p:nvGrpSpPr>
@@ -1744,7 +1744,7 @@
 </file>
 
 <file path=ppt/slideLayouts/slideLayout3.xml><?xml version="1.0" encoding="utf-8"?>
-<p:sldLayout xmlns:a="http://schemas.openxmlformats.org/drawingml/2006/main" xmlns:r="http://schemas.openxmlformats.org/officeDocument/2006/relationships" xmlns:mc="http://schemas.openxmlformats.org/markup-compatibility/2006" xmlns:mv="urn:schemas-microsoft-com:mac:vml" xmlns:p="http://schemas.openxmlformats.org/presentationml/2006/main" mc:Ignorable="mv" mc:PreserveAttributes="mv:*" type="secHead" preserve="1">
+<p:sldLayout xmlns:a="http://schemas.openxmlformats.org/drawingml/2006/main" xmlns:r="http://schemas.openxmlformats.org/officeDocument/2006/relationships" xmlns:p="http://schemas.openxmlformats.org/presentationml/2006/main" type="secHead" preserve="1">
   <p:cSld name="Section Header">
     <p:spTree>
       <p:nvGrpSpPr>
@@ -1866,7 +1866,7 @@
 </file>
 
 <file path=ppt/slideLayouts/slideLayout4.xml><?xml version="1.0" encoding="utf-8"?>
-<p:sldLayout xmlns:a="http://schemas.openxmlformats.org/drawingml/2006/main" xmlns:r="http://schemas.openxmlformats.org/officeDocument/2006/relationships" xmlns:mc="http://schemas.openxmlformats.org/markup-compatibility/2006" xmlns:mv="urn:schemas-microsoft-com:mac:vml" xmlns:p="http://schemas.openxmlformats.org/presentationml/2006/main" mc:Ignorable="mv" mc:PreserveAttributes="mv:*" type="twoObj" preserve="1">
+<p:sldLayout xmlns:a="http://schemas.openxmlformats.org/drawingml/2006/main" xmlns:r="http://schemas.openxmlformats.org/officeDocument/2006/relationships" xmlns:p="http://schemas.openxmlformats.org/presentationml/2006/main" type="twoObj" preserve="1">
   <p:cSld name="Two Content">
     <p:spTree>
       <p:nvGrpSpPr>
@@ -2084,7 +2084,7 @@
 </file>
 
 <file path=ppt/slideLayouts/slideLayout5.xml><?xml version="1.0" encoding="utf-8"?>
-<p:sldLayout xmlns:a="http://schemas.openxmlformats.org/drawingml/2006/main" xmlns:r="http://schemas.openxmlformats.org/officeDocument/2006/relationships" xmlns:mc="http://schemas.openxmlformats.org/markup-compatibility/2006" xmlns:mv="urn:schemas-microsoft-com:mac:vml" xmlns:p="http://schemas.openxmlformats.org/presentationml/2006/main" mc:Ignorable="mv" mc:PreserveAttributes="mv:*" type="twoTxTwoObj" preserve="1">
+<p:sldLayout xmlns:a="http://schemas.openxmlformats.org/drawingml/2006/main" xmlns:r="http://schemas.openxmlformats.org/officeDocument/2006/relationships" xmlns:p="http://schemas.openxmlformats.org/presentationml/2006/main" type="twoTxTwoObj" preserve="1">
   <p:cSld name="Comparison">
     <p:spTree>
       <p:nvGrpSpPr>
@@ -2441,7 +2441,7 @@
 </file>
 
 <file path=ppt/slideLayouts/slideLayout6.xml><?xml version="1.0" encoding="utf-8"?>
-<p:sldLayout xmlns:a="http://schemas.openxmlformats.org/drawingml/2006/main" xmlns:r="http://schemas.openxmlformats.org/officeDocument/2006/relationships" xmlns:mc="http://schemas.openxmlformats.org/markup-compatibility/2006" xmlns:mv="urn:schemas-microsoft-com:mac:vml" xmlns:p="http://schemas.openxmlformats.org/presentationml/2006/main" mc:Ignorable="mv" mc:PreserveAttributes="mv:*" type="titleOnly" preserve="1">
+<p:sldLayout xmlns:a="http://schemas.openxmlformats.org/drawingml/2006/main" xmlns:r="http://schemas.openxmlformats.org/officeDocument/2006/relationships" xmlns:p="http://schemas.openxmlformats.org/presentationml/2006/main" type="titleOnly" preserve="1">
   <p:cSld name="Title Only">
     <p:spTree>
       <p:nvGrpSpPr>
@@ -2489,7 +2489,7 @@
 </file>
 
 <file path=ppt/slideLayouts/slideLayout7.xml><?xml version="1.0" encoding="utf-8"?>
-<p:sldLayout xmlns:a="http://schemas.openxmlformats.org/drawingml/2006/main" xmlns:r="http://schemas.openxmlformats.org/officeDocument/2006/relationships" xmlns:mc="http://schemas.openxmlformats.org/markup-compatibility/2006" xmlns:mv="urn:schemas-microsoft-com:mac:vml" xmlns:p="http://schemas.openxmlformats.org/presentationml/2006/main" mc:Ignorable="mv" mc:PreserveAttributes="mv:*" type="blank" preserve="1">
+<p:sldLayout xmlns:a="http://schemas.openxmlformats.org/drawingml/2006/main" xmlns:r="http://schemas.openxmlformats.org/officeDocument/2006/relationships" xmlns:p="http://schemas.openxmlformats.org/presentationml/2006/main" type="blank" preserve="1">
   <p:cSld name="Blank">
     <p:spTree>
       <p:nvGrpSpPr>
@@ -2514,7 +2514,7 @@
 </file>
 
 <file path=ppt/slideLayouts/slideLayout8.xml><?xml version="1.0" encoding="utf-8"?>
-<p:sldLayout xmlns:a="http://schemas.openxmlformats.org/drawingml/2006/main" xmlns:r="http://schemas.openxmlformats.org/officeDocument/2006/relationships" xmlns:mc="http://schemas.openxmlformats.org/markup-compatibility/2006" xmlns:mv="urn:schemas-microsoft-com:mac:vml" xmlns:p="http://schemas.openxmlformats.org/presentationml/2006/main" mc:Ignorable="mv" mc:PreserveAttributes="mv:*" type="objTx" preserve="1">
+<p:sldLayout xmlns:a="http://schemas.openxmlformats.org/drawingml/2006/main" xmlns:r="http://schemas.openxmlformats.org/officeDocument/2006/relationships" xmlns:p="http://schemas.openxmlformats.org/presentationml/2006/main" type="objTx" preserve="1">
   <p:cSld name="Content with Caption">
     <p:spTree>
       <p:nvGrpSpPr>
@@ -2721,7 +2721,7 @@
 </file>
 
 <file path=ppt/slideLayouts/slideLayout9.xml><?xml version="1.0" encoding="utf-8"?>
-<p:sldLayout xmlns:a="http://schemas.openxmlformats.org/drawingml/2006/main" xmlns:r="http://schemas.openxmlformats.org/officeDocument/2006/relationships" xmlns:mc="http://schemas.openxmlformats.org/markup-compatibility/2006" xmlns:mv="urn:schemas-microsoft-com:mac:vml" xmlns:p="http://schemas.openxmlformats.org/presentationml/2006/main" mc:Ignorable="mv" mc:PreserveAttributes="mv:*" type="picTx" preserve="1">
+<p:sldLayout xmlns:a="http://schemas.openxmlformats.org/drawingml/2006/main" xmlns:r="http://schemas.openxmlformats.org/officeDocument/2006/relationships" xmlns:p="http://schemas.openxmlformats.org/presentationml/2006/main" type="picTx" preserve="1">
   <p:cSld name="Picture with Caption">
     <p:spTree>
       <p:nvGrpSpPr>
@@ -2905,7 +2905,7 @@
 </file>
 
 <file path=ppt/slideMasters/slideMaster1.xml><?xml version="1.0" encoding="utf-8"?>
-<p:sldMaster xmlns:a="http://schemas.openxmlformats.org/drawingml/2006/main" xmlns:r="http://schemas.openxmlformats.org/officeDocument/2006/relationships" xmlns:mc="http://schemas.openxmlformats.org/markup-compatibility/2006" xmlns:mv="urn:schemas-microsoft-com:mac:vml" xmlns:p="http://schemas.openxmlformats.org/presentationml/2006/main" mc:Ignorable="mv" mc:PreserveAttributes="mv:*">
+<p:sldMaster xmlns:a="http://schemas.openxmlformats.org/drawingml/2006/main" xmlns:r="http://schemas.openxmlformats.org/officeDocument/2006/relationships" xmlns:p="http://schemas.openxmlformats.org/presentationml/2006/main">
   <p:cSld>
     <p:bg>
       <p:bgPr>
@@ -2938,7 +2938,7 @@
           <p:nvPr userDrawn="1"/>
         </p:nvPicPr>
         <p:blipFill>
-          <a:blip r:embed="rId13"/>
+          <a:blip r:embed="rId13" cstate="print"/>
           <a:srcRect/>
           <a:stretch>
             <a:fillRect/>
@@ -3471,7 +3471,7 @@
 </file>
 
 <file path=ppt/slides/slide1.xml><?xml version="1.0" encoding="utf-8"?>
-<p:sld xmlns:a="http://schemas.openxmlformats.org/drawingml/2006/main" xmlns:r="http://schemas.openxmlformats.org/officeDocument/2006/relationships" xmlns:mc="http://schemas.openxmlformats.org/markup-compatibility/2006" xmlns:mv="urn:schemas-microsoft-com:mac:vml" xmlns:p="http://schemas.openxmlformats.org/presentationml/2006/main" mc:Ignorable="mv" mc:PreserveAttributes="mv:*">
+<p:sld xmlns:a="http://schemas.openxmlformats.org/drawingml/2006/main" xmlns:r="http://schemas.openxmlformats.org/officeDocument/2006/relationships" xmlns:p="http://schemas.openxmlformats.org/presentationml/2006/main">
   <p:cSld>
     <p:spTree>
       <p:nvGrpSpPr>
@@ -3582,7 +3582,7 @@
           <p:nvPr/>
         </p:nvPicPr>
         <p:blipFill>
-          <a:blip r:embed="rId3"/>
+          <a:blip r:embed="rId3" cstate="print"/>
           <a:srcRect/>
           <a:stretch>
             <a:fillRect/>
@@ -3614,7 +3614,7 @@
           <p:nvPr/>
         </p:nvPicPr>
         <p:blipFill>
-          <a:blip r:embed="rId4"/>
+          <a:blip r:embed="rId4" cstate="print"/>
           <a:srcRect r="85001"/>
           <a:stretch>
             <a:fillRect/>
@@ -3677,18 +3677,25 @@
               <a:rPr lang="en-US" dirty="0" smtClean="0">
                 <a:ea typeface="ＭＳ Ｐゴシック" charset="-128"/>
               </a:rPr>
-              <a:t>Manage Job Queue</a:t>
-            </a:r>
-            <a:br>
+              <a:t>Release</a:t>
+            </a:r>
+            <a:r>
               <a:rPr lang="en-US" dirty="0" smtClean="0">
                 <a:ea typeface="ＭＳ Ｐゴシック" charset="-128"/>
               </a:rPr>
-            </a:br>
+              <a:t> </a:t>
+            </a:r>
             <a:r>
               <a:rPr lang="en-US" dirty="0" smtClean="0">
                 <a:ea typeface="ＭＳ Ｐゴシック" charset="-128"/>
               </a:rPr>
-              <a:t>in 2.4.1</a:t>
+              <a:t>2.4.1</a:t>
+            </a:r>
+            <a:r>
+              <a:rPr lang="en-US" dirty="0" smtClean="0">
+                <a:ea typeface="ＭＳ Ｐゴシック" charset="-128"/>
+              </a:rPr>
+              <a:t/>
             </a:r>
             <a:br>
               <a:rPr lang="en-US" dirty="0" smtClean="0">
@@ -3847,7 +3854,7 @@
 </file>
 
 <file path=ppt/slides/slide2.xml><?xml version="1.0" encoding="utf-8"?>
-<p:sld xmlns:a="http://schemas.openxmlformats.org/drawingml/2006/main" xmlns:r="http://schemas.openxmlformats.org/officeDocument/2006/relationships" xmlns:mc="http://schemas.openxmlformats.org/markup-compatibility/2006" xmlns:mv="urn:schemas-microsoft-com:mac:vml" xmlns:p="http://schemas.openxmlformats.org/presentationml/2006/main" mc:Ignorable="mv" mc:PreserveAttributes="mv:*">
+<p:sld xmlns:a="http://schemas.openxmlformats.org/drawingml/2006/main" xmlns:r="http://schemas.openxmlformats.org/officeDocument/2006/relationships" xmlns:p="http://schemas.openxmlformats.org/presentationml/2006/main">
   <p:cSld>
     <p:spTree>
       <p:nvGrpSpPr>
@@ -4046,7 +4053,7 @@
 </file>
 
 <file path=ppt/slides/slide3.xml><?xml version="1.0" encoding="utf-8"?>
-<p:sld xmlns:a="http://schemas.openxmlformats.org/drawingml/2006/main" xmlns:r="http://schemas.openxmlformats.org/officeDocument/2006/relationships" xmlns:mc="http://schemas.openxmlformats.org/markup-compatibility/2006" xmlns:mv="urn:schemas-microsoft-com:mac:vml" xmlns:p="http://schemas.openxmlformats.org/presentationml/2006/main" mc:Ignorable="mv" mc:PreserveAttributes="mv:*">
+<p:sld xmlns:a="http://schemas.openxmlformats.org/drawingml/2006/main" xmlns:r="http://schemas.openxmlformats.org/officeDocument/2006/relationships" xmlns:p="http://schemas.openxmlformats.org/presentationml/2006/main">
   <p:cSld>
     <p:spTree>
       <p:nvGrpSpPr>
@@ -4122,7 +4129,7 @@
 </file>
 
 <file path=ppt/slides/slide4.xml><?xml version="1.0" encoding="utf-8"?>
-<p:sld xmlns:a="http://schemas.openxmlformats.org/drawingml/2006/main" xmlns:r="http://schemas.openxmlformats.org/officeDocument/2006/relationships" xmlns:mc="http://schemas.openxmlformats.org/markup-compatibility/2006" xmlns:mv="urn:schemas-microsoft-com:mac:vml" xmlns:p="http://schemas.openxmlformats.org/presentationml/2006/main" mc:Ignorable="mv" mc:PreserveAttributes="mv:*">
+<p:sld xmlns:a="http://schemas.openxmlformats.org/drawingml/2006/main" xmlns:r="http://schemas.openxmlformats.org/officeDocument/2006/relationships" xmlns:p="http://schemas.openxmlformats.org/presentationml/2006/main">
   <p:cSld>
     <p:spTree>
       <p:nvGrpSpPr>
@@ -4160,22 +4167,19 @@
               </a:rPr>
               <a:t>Screenshot: Job Queue</a:t>
             </a:r>
-            <a:endParaRPr lang="en-US" dirty="0" smtClean="0">
-              <a:ea typeface="ＭＳ Ｐゴシック" charset="-128"/>
-            </a:endParaRPr>
           </a:p>
         </p:txBody>
       </p:sp>
       <p:pic>
         <p:nvPicPr>
-          <p:cNvPr id="4" name="Picture 3" descr="job_queue.png"/>
+          <p:cNvPr id="4" name="Picture 3" descr="Screenshot of the Job Queue page showing list of jobs in the queue and the ability to cancel a job that has not started."/>
           <p:cNvPicPr>
             <a:picLocks noChangeAspect="1"/>
           </p:cNvPicPr>
           <p:nvPr/>
         </p:nvPicPr>
         <p:blipFill>
-          <a:blip r:embed="rId3"/>
+          <a:blip r:embed="rId3" cstate="print"/>
           <a:stretch>
             <a:fillRect/>
           </a:stretch>
@@ -4206,7 +4210,7 @@
 </file>
 
 <file path=ppt/slides/slide5.xml><?xml version="1.0" encoding="utf-8"?>
-<p:sld xmlns:a="http://schemas.openxmlformats.org/drawingml/2006/main" xmlns:r="http://schemas.openxmlformats.org/officeDocument/2006/relationships" xmlns:mc="http://schemas.openxmlformats.org/markup-compatibility/2006" xmlns:mv="urn:schemas-microsoft-com:mac:vml" xmlns:p="http://schemas.openxmlformats.org/presentationml/2006/main" mc:Ignorable="mv" mc:PreserveAttributes="mv:*">
+<p:sld xmlns:a="http://schemas.openxmlformats.org/drawingml/2006/main" xmlns:r="http://schemas.openxmlformats.org/officeDocument/2006/relationships" xmlns:p="http://schemas.openxmlformats.org/presentationml/2006/main">
   <p:cSld>
     <p:spTree>
       <p:nvGrpSpPr>
@@ -4244,22 +4248,19 @@
               </a:rPr>
               <a:t>Screenshot: Organisms from the NCBI Taxonomy</a:t>
             </a:r>
-            <a:endParaRPr lang="en-US" dirty="0" smtClean="0">
-              <a:ea typeface="ＭＳ Ｐゴシック" charset="-128"/>
-            </a:endParaRPr>
           </a:p>
         </p:txBody>
       </p:sp>
       <p:pic>
         <p:nvPicPr>
-          <p:cNvPr id="4" name="Picture 3" descr="organisms.png"/>
+          <p:cNvPr id="4" name="Picture 3" descr="Screenshot showing that the contents of the organism-selection drop-down box are limited to the NCBI Taxonomy."/>
           <p:cNvPicPr>
             <a:picLocks noChangeAspect="1"/>
           </p:cNvPicPr>
           <p:nvPr/>
         </p:nvPicPr>
         <p:blipFill>
-          <a:blip r:embed="rId3"/>
+          <a:blip r:embed="rId3" cstate="print"/>
           <a:stretch>
             <a:fillRect/>
           </a:stretch>
@@ -4290,7 +4291,7 @@
 </file>
 
 <file path=ppt/slides/slide6.xml><?xml version="1.0" encoding="utf-8"?>
-<p:sld xmlns:a="http://schemas.openxmlformats.org/drawingml/2006/main" xmlns:r="http://schemas.openxmlformats.org/officeDocument/2006/relationships" xmlns:mc="http://schemas.openxmlformats.org/markup-compatibility/2006" xmlns:mv="urn:schemas-microsoft-com:mac:vml" xmlns:p="http://schemas.openxmlformats.org/presentationml/2006/main" mc:Ignorable="mv" mc:PreserveAttributes="mv:*">
+<p:sld xmlns:a="http://schemas.openxmlformats.org/drawingml/2006/main" xmlns:r="http://schemas.openxmlformats.org/officeDocument/2006/relationships" xmlns:p="http://schemas.openxmlformats.org/presentationml/2006/main">
   <p:cSld>
     <p:spTree>
       <p:nvGrpSpPr>
@@ -4328,22 +4329,19 @@
               </a:rPr>
               <a:t>Screenshots: Search by Publication</a:t>
             </a:r>
-            <a:endParaRPr lang="en-US" dirty="0" smtClean="0">
-              <a:ea typeface="ＭＳ Ｐゴシック" charset="-128"/>
-            </a:endParaRPr>
           </a:p>
         </p:txBody>
       </p:sp>
       <p:pic>
         <p:nvPicPr>
-          <p:cNvPr id="4" name="Picture 3" descr="search_criteria.png"/>
+          <p:cNvPr id="4" name="Picture 3" descr="Screenshot of main caArray page showing the two new search criteria for experiments, which are PubMed ID and Publication Author."/>
           <p:cNvPicPr>
             <a:picLocks noChangeAspect="1"/>
           </p:cNvPicPr>
           <p:nvPr/>
         </p:nvPicPr>
         <p:blipFill>
-          <a:blip r:embed="rId3"/>
+          <a:blip r:embed="rId3" cstate="print"/>
           <a:stretch>
             <a:fillRect/>
           </a:stretch>
@@ -4374,7 +4372,7 @@
 </file>
 
 <file path=ppt/slides/slide7.xml><?xml version="1.0" encoding="utf-8"?>
-<p:sld xmlns:a="http://schemas.openxmlformats.org/drawingml/2006/main" xmlns:r="http://schemas.openxmlformats.org/officeDocument/2006/relationships" xmlns:mc="http://schemas.openxmlformats.org/markup-compatibility/2006" xmlns:mv="urn:schemas-microsoft-com:mac:vml" xmlns:p="http://schemas.openxmlformats.org/presentationml/2006/main" mc:Ignorable="mv" mc:PreserveAttributes="mv:*">
+<p:sld xmlns:a="http://schemas.openxmlformats.org/drawingml/2006/main" xmlns:r="http://schemas.openxmlformats.org/officeDocument/2006/relationships" xmlns:p="http://schemas.openxmlformats.org/presentationml/2006/main">
   <p:cSld>
     <p:spTree>
       <p:nvGrpSpPr>
@@ -4412,22 +4410,19 @@
               </a:rPr>
               <a:t>Screenshots: Search by Publication</a:t>
             </a:r>
-            <a:endParaRPr lang="en-US" dirty="0" smtClean="0">
-              <a:ea typeface="ＭＳ Ｐゴシック" charset="-128"/>
-            </a:endParaRPr>
           </a:p>
         </p:txBody>
       </p:sp>
       <p:pic>
         <p:nvPicPr>
-          <p:cNvPr id="5" name="Picture 4" descr="search_by_pubmed_id.png"/>
+          <p:cNvPr id="5" name="Picture 4" descr="Screenshot showing search by PubMed ID."/>
           <p:cNvPicPr>
             <a:picLocks noChangeAspect="1"/>
           </p:cNvPicPr>
           <p:nvPr/>
         </p:nvPicPr>
         <p:blipFill>
-          <a:blip r:embed="rId3"/>
+          <a:blip r:embed="rId3" cstate="print"/>
           <a:stretch>
             <a:fillRect/>
           </a:stretch>
@@ -4444,14 +4439,14 @@
       </p:pic>
       <p:pic>
         <p:nvPicPr>
-          <p:cNvPr id="6" name="Picture 5" descr="search_by_author.png"/>
+          <p:cNvPr id="6" name="Picture 5" descr="Screenshot showing Search by Author."/>
           <p:cNvPicPr>
             <a:picLocks noChangeAspect="1"/>
           </p:cNvPicPr>
           <p:nvPr/>
         </p:nvPicPr>
         <p:blipFill>
-          <a:blip r:embed="rId4"/>
+          <a:blip r:embed="rId4" cstate="print"/>
           <a:stretch>
             <a:fillRect/>
           </a:stretch>
@@ -4468,14 +4463,14 @@
       </p:pic>
       <p:pic>
         <p:nvPicPr>
-          <p:cNvPr id="7" name="Picture 6" descr="search_by_author_results.png"/>
+          <p:cNvPr id="7" name="Picture 6" descr="Screenshot showing results from Search by Author."/>
           <p:cNvPicPr>
             <a:picLocks noChangeAspect="1"/>
           </p:cNvPicPr>
           <p:nvPr/>
         </p:nvPicPr>
         <p:blipFill>
-          <a:blip r:embed="rId5"/>
+          <a:blip r:embed="rId5" cstate="print"/>
           <a:stretch>
             <a:fillRect/>
           </a:stretch>
@@ -4506,7 +4501,7 @@
 </file>
 
 <file path=ppt/slides/slide8.xml><?xml version="1.0" encoding="utf-8"?>
-<p:sld xmlns:a="http://schemas.openxmlformats.org/drawingml/2006/main" xmlns:r="http://schemas.openxmlformats.org/officeDocument/2006/relationships" xmlns:mc="http://schemas.openxmlformats.org/markup-compatibility/2006" xmlns:mv="urn:schemas-microsoft-com:mac:vml" xmlns:p="http://schemas.openxmlformats.org/presentationml/2006/main" mc:Ignorable="mv" mc:PreserveAttributes="mv:*">
+<p:sld xmlns:a="http://schemas.openxmlformats.org/drawingml/2006/main" xmlns:r="http://schemas.openxmlformats.org/officeDocument/2006/relationships" xmlns:p="http://schemas.openxmlformats.org/presentationml/2006/main">
   <p:cSld>
     <p:spTree>
       <p:nvGrpSpPr>
@@ -4571,8 +4566,16 @@
           <a:p>
             <a:pPr lvl="1" eaLnBrk="1" hangingPunct="1"/>
             <a:r>
+              <a:rPr lang="en-US" sz="1600" dirty="0" smtClean="0">
+                <a:solidFill>
+                  <a:srgbClr val="0070C0"/>
+                </a:solidFill>
+              </a:rPr>
+              <a:t>Easier upload and import of large data sets</a:t>
+            </a:r>
+            <a:r>
               <a:rPr lang="en-US" sz="1600" dirty="0" smtClean="0"/>
-              <a:t>Easier upload and import of large data sets without having to break them into batches. Files can be stored on the file system rather than in the database. An Upload/Download manager eliminates the 2GB upload limit and allows </a:t>
+              <a:t> without having to break them into batches. Files can be stored on the file system rather than in the database. An Upload/Download manager eliminates the 2GB upload limit and allows </a:t>
             </a:r>
             <a:r>
               <a:rPr lang="en-US" sz="1600" dirty="0" err="1" smtClean="0"/>
@@ -4586,15 +4589,39 @@
           <a:p>
             <a:pPr lvl="1" eaLnBrk="1" hangingPunct="1"/>
             <a:r>
+              <a:rPr lang="en-US" sz="1600" dirty="0" smtClean="0">
+                <a:solidFill>
+                  <a:srgbClr val="0070C0"/>
+                </a:solidFill>
+              </a:rPr>
+              <a:t>A plug-in architecture</a:t>
+            </a:r>
+            <a:r>
               <a:rPr lang="en-US" sz="1600" dirty="0" smtClean="0"/>
-              <a:t>A plug-in architecture that supports the easy addition of parsers for new data types without requiring a new application release. Plug-ins can be hot-deployed into a running caArray instance and are instantly picked up and incorporated into the application.</a:t>
+              <a:t> that supports the easy addition of parsers for new data types without requiring a new application release. Plug-ins can be hot-deployed into a running caArray instance and are instantly picked up and incorporated into the application.</a:t>
             </a:r>
           </a:p>
           <a:p>
             <a:pPr lvl="1" eaLnBrk="1" hangingPunct="1"/>
             <a:r>
+              <a:rPr lang="en-US" sz="1600" dirty="0" smtClean="0">
+                <a:solidFill>
+                  <a:srgbClr val="0070C0"/>
+                </a:solidFill>
+              </a:rPr>
+              <a:t>An updated technology </a:t>
+            </a:r>
+            <a:r>
+              <a:rPr lang="en-US" sz="1600" dirty="0" smtClean="0">
+                <a:solidFill>
+                  <a:srgbClr val="0070C0"/>
+                </a:solidFill>
+              </a:rPr>
+              <a:t>stack</a:t>
+            </a:r>
+            <a:r>
               <a:rPr lang="en-US" sz="1600" dirty="0" smtClean="0"/>
-              <a:t>Update the technology stack (</a:t>
+              <a:t> (</a:t>
             </a:r>
             <a:r>
               <a:rPr lang="en-US" sz="1600" dirty="0" err="1" smtClean="0"/>
@@ -4602,15 +4629,7 @@
             </a:r>
             <a:r>
               <a:rPr lang="en-US" sz="1600" dirty="0" smtClean="0"/>
-              <a:t> 5.1, </a:t>
-            </a:r>
-            <a:r>
-              <a:rPr lang="en-US" sz="1600" dirty="0" err="1" smtClean="0"/>
-              <a:t>MySQL</a:t>
-            </a:r>
-            <a:r>
-              <a:rPr lang="en-US" sz="1600" dirty="0" smtClean="0"/>
-              <a:t> 5.1, BDA 1.7, Java 6)</a:t>
+              <a:t> 5.1, MySQL 5.1, BDA 1.7, Java 6)</a:t>
             </a:r>
           </a:p>
         </p:txBody>
@@ -4631,7 +4650,7 @@
 </file>
 
 <file path=ppt/slides/slide9.xml><?xml version="1.0" encoding="utf-8"?>
-<p:sld xmlns:a="http://schemas.openxmlformats.org/drawingml/2006/main" xmlns:r="http://schemas.openxmlformats.org/officeDocument/2006/relationships" xmlns:mc="http://schemas.openxmlformats.org/markup-compatibility/2006" xmlns:mv="urn:schemas-microsoft-com:mac:vml" xmlns:p="http://schemas.openxmlformats.org/presentationml/2006/main" mc:Ignorable="mv" mc:PreserveAttributes="mv:*">
+<p:sld xmlns:a="http://schemas.openxmlformats.org/drawingml/2006/main" xmlns:r="http://schemas.openxmlformats.org/officeDocument/2006/relationships" xmlns:p="http://schemas.openxmlformats.org/presentationml/2006/main">
   <p:cSld>
     <p:spTree>
       <p:nvGrpSpPr>

--- a/project_management/open_meetings/ICR_WS_Meeting_2011_05_11.pptx
+++ b/project_management/open_meetings/ICR_WS_Meeting_2011_05_11.pptx
@@ -1,14 +1,14 @@
 
 <file path=ppt/presentation.xml><?xml version="1.0" encoding="utf-8"?>
-<p:presentation xmlns:a="http://schemas.openxmlformats.org/drawingml/2006/main" xmlns:r="http://schemas.openxmlformats.org/officeDocument/2006/relationships" xmlns:p="http://schemas.openxmlformats.org/presentationml/2006/main" showSpecialPlsOnTitleSld="0" saveSubsetFonts="1">
+<p:presentation xmlns:a="http://schemas.openxmlformats.org/drawingml/2006/main" xmlns:r="http://schemas.openxmlformats.org/officeDocument/2006/relationships" xmlns:mc="http://schemas.openxmlformats.org/markup-compatibility/2006" xmlns:mv="urn:schemas-microsoft-com:mac:vml" xmlns:p="http://schemas.openxmlformats.org/presentationml/2006/main" mc:Ignorable="mv" mc:PreserveAttributes="mv:*" showSpecialPlsOnTitleSld="0" saveSubsetFonts="1">
   <p:sldMasterIdLst>
     <p:sldMasterId id="2147483648" r:id="rId1"/>
   </p:sldMasterIdLst>
   <p:notesMasterIdLst>
-    <p:notesMasterId r:id="rId11"/>
+    <p:notesMasterId r:id="rId12"/>
   </p:notesMasterIdLst>
   <p:handoutMasterIdLst>
-    <p:handoutMasterId r:id="rId12"/>
+    <p:handoutMasterId r:id="rId13"/>
   </p:handoutMasterIdLst>
   <p:sldIdLst>
     <p:sldId id="264" r:id="rId2"/>
@@ -19,7 +19,8 @@
     <p:sldId id="345" r:id="rId7"/>
     <p:sldId id="346" r:id="rId8"/>
     <p:sldId id="342" r:id="rId9"/>
-    <p:sldId id="268" r:id="rId10"/>
+    <p:sldId id="347" r:id="rId10"/>
+    <p:sldId id="268" r:id="rId11"/>
   </p:sldIdLst>
   <p:sldSz cx="9144000" cy="6858000" type="screen4x3"/>
   <p:notesSz cx="6858000" cy="9144000"/>
@@ -152,7 +153,7 @@
 </file>
 
 <file path=ppt/handoutMasters/handoutMaster1.xml><?xml version="1.0" encoding="utf-8"?>
-<p:handoutMaster xmlns:a="http://schemas.openxmlformats.org/drawingml/2006/main" xmlns:r="http://schemas.openxmlformats.org/officeDocument/2006/relationships" xmlns:p="http://schemas.openxmlformats.org/presentationml/2006/main">
+<p:handoutMaster xmlns:a="http://schemas.openxmlformats.org/drawingml/2006/main" xmlns:r="http://schemas.openxmlformats.org/officeDocument/2006/relationships" xmlns:mc="http://schemas.openxmlformats.org/markup-compatibility/2006" xmlns:mv="urn:schemas-microsoft-com:mac:vml" xmlns:p="http://schemas.openxmlformats.org/presentationml/2006/main" mc:Ignorable="mv" mc:PreserveAttributes="mv:*">
   <p:cSld>
     <p:bg>
       <p:bgRef idx="1001">
@@ -234,7 +235,7 @@
             <a:fld id="{19C1E9F1-3EC1-6444-B428-4F8E6DCDED3B}" type="datetimeFigureOut">
               <a:rPr lang="en-US" smtClean="0"/>
               <a:pPr/>
-              <a:t>5/9/2011</a:t>
+              <a:t>5/10/11</a:t>
             </a:fld>
             <a:endParaRPr lang="en-US"/>
           </a:p>
@@ -308,6 +309,11 @@
         </p:txBody>
       </p:sp>
     </p:spTree>
+    <p:extLst>
+      <p:ext uri="{BB962C8B-B14F-4D97-AF65-F5344CB8AC3E}">
+        <p14:creationId xmlns:p14="http://schemas.microsoft.com/office/powerpoint/2010/main" xmlns:p="http://schemas.openxmlformats.org/presentationml/2006/main" xmlns:r="http://schemas.openxmlformats.org/officeDocument/2006/relationships" xmlns:a="http://schemas.openxmlformats.org/drawingml/2006/main" xmlns="" val="2129179538"/>
+      </p:ext>
+    </p:extLst>
   </p:cSld>
   <p:clrMap bg1="lt1" tx1="dk1" bg2="lt2" tx2="dk2" accent1="accent1" accent2="accent2" accent3="accent3" accent4="accent4" accent5="accent5" accent6="accent6" hlink="hlink" folHlink="folHlink"/>
   <p:hf hdr="0" ftr="0" dt="0"/>
@@ -315,7 +321,7 @@
 </file>
 
 <file path=ppt/notesMasters/notesMaster1.xml><?xml version="1.0" encoding="utf-8"?>
-<p:notesMaster xmlns:a="http://schemas.openxmlformats.org/drawingml/2006/main" xmlns:r="http://schemas.openxmlformats.org/officeDocument/2006/relationships" xmlns:p="http://schemas.openxmlformats.org/presentationml/2006/main">
+<p:notesMaster xmlns:a="http://schemas.openxmlformats.org/drawingml/2006/main" xmlns:r="http://schemas.openxmlformats.org/officeDocument/2006/relationships" xmlns:mc="http://schemas.openxmlformats.org/markup-compatibility/2006" xmlns:mv="urn:schemas-microsoft-com:mac:vml" xmlns:p="http://schemas.openxmlformats.org/presentationml/2006/main" mc:Ignorable="mv" mc:PreserveAttributes="mv:*">
   <p:cSld>
     <p:bg>
       <p:bgPr>
@@ -638,6 +644,11 @@
         </p:txBody>
       </p:sp>
     </p:spTree>
+    <p:extLst>
+      <p:ext uri="{BB962C8B-B14F-4D97-AF65-F5344CB8AC3E}">
+        <p14:creationId xmlns:p14="http://schemas.microsoft.com/office/powerpoint/2010/main" xmlns:p="http://schemas.openxmlformats.org/presentationml/2006/main" xmlns:r="http://schemas.openxmlformats.org/officeDocument/2006/relationships" xmlns:a="http://schemas.openxmlformats.org/drawingml/2006/main" xmlns="" val="3258924802"/>
+      </p:ext>
+    </p:extLst>
   </p:cSld>
   <p:clrMap bg1="lt1" tx1="dk1" bg2="lt2" tx2="dk2" accent1="accent1" accent2="accent2" accent3="accent3" accent4="accent4" accent5="accent5" accent6="accent6" hlink="hlink" folHlink="folHlink"/>
   <p:hf hdr="0" ftr="0" dt="0"/>
@@ -767,7 +778,7 @@
 </file>
 
 <file path=ppt/notesSlides/notesSlide1.xml><?xml version="1.0" encoding="utf-8"?>
-<p:notes xmlns:a="http://schemas.openxmlformats.org/drawingml/2006/main" xmlns:r="http://schemas.openxmlformats.org/officeDocument/2006/relationships" xmlns:p="http://schemas.openxmlformats.org/presentationml/2006/main">
+<p:notes xmlns:a="http://schemas.openxmlformats.org/drawingml/2006/main" xmlns:r="http://schemas.openxmlformats.org/officeDocument/2006/relationships" xmlns:mc="http://schemas.openxmlformats.org/markup-compatibility/2006" xmlns:mv="urn:schemas-microsoft-com:mac:vml" xmlns:p="http://schemas.openxmlformats.org/presentationml/2006/main" mc:Ignorable="mv" mc:PreserveAttributes="mv:*">
   <p:cSld>
     <p:spTree>
       <p:nvGrpSpPr>
@@ -869,7 +880,7 @@
 </file>
 
 <file path=ppt/notesSlides/notesSlide2.xml><?xml version="1.0" encoding="utf-8"?>
-<p:notes xmlns:a="http://schemas.openxmlformats.org/drawingml/2006/main" xmlns:r="http://schemas.openxmlformats.org/officeDocument/2006/relationships" xmlns:p="http://schemas.openxmlformats.org/presentationml/2006/main">
+<p:notes xmlns:a="http://schemas.openxmlformats.org/drawingml/2006/main" xmlns:r="http://schemas.openxmlformats.org/officeDocument/2006/relationships" xmlns:mc="http://schemas.openxmlformats.org/markup-compatibility/2006" xmlns:mv="urn:schemas-microsoft-com:mac:vml" xmlns:p="http://schemas.openxmlformats.org/presentationml/2006/main" mc:Ignorable="mv" mc:PreserveAttributes="mv:*">
   <p:cSld>
     <p:spTree>
       <p:nvGrpSpPr>
@@ -932,7 +943,7 @@
 </file>
 
 <file path=ppt/notesSlides/notesSlide3.xml><?xml version="1.0" encoding="utf-8"?>
-<p:notes xmlns:a="http://schemas.openxmlformats.org/drawingml/2006/main" xmlns:r="http://schemas.openxmlformats.org/officeDocument/2006/relationships" xmlns:p="http://schemas.openxmlformats.org/presentationml/2006/main">
+<p:notes xmlns:a="http://schemas.openxmlformats.org/drawingml/2006/main" xmlns:r="http://schemas.openxmlformats.org/officeDocument/2006/relationships" xmlns:mc="http://schemas.openxmlformats.org/markup-compatibility/2006" xmlns:mv="urn:schemas-microsoft-com:mac:vml" xmlns:p="http://schemas.openxmlformats.org/presentationml/2006/main" mc:Ignorable="mv" mc:PreserveAttributes="mv:*">
   <p:cSld>
     <p:spTree>
       <p:nvGrpSpPr>
@@ -995,7 +1006,7 @@
 </file>
 
 <file path=ppt/notesSlides/notesSlide4.xml><?xml version="1.0" encoding="utf-8"?>
-<p:notes xmlns:a="http://schemas.openxmlformats.org/drawingml/2006/main" xmlns:r="http://schemas.openxmlformats.org/officeDocument/2006/relationships" xmlns:p="http://schemas.openxmlformats.org/presentationml/2006/main">
+<p:notes xmlns:a="http://schemas.openxmlformats.org/drawingml/2006/main" xmlns:r="http://schemas.openxmlformats.org/officeDocument/2006/relationships" xmlns:mc="http://schemas.openxmlformats.org/markup-compatibility/2006" xmlns:mv="urn:schemas-microsoft-com:mac:vml" xmlns:p="http://schemas.openxmlformats.org/presentationml/2006/main" mc:Ignorable="mv" mc:PreserveAttributes="mv:*">
   <p:cSld>
     <p:spTree>
       <p:nvGrpSpPr>
@@ -1058,7 +1069,7 @@
 </file>
 
 <file path=ppt/notesSlides/notesSlide5.xml><?xml version="1.0" encoding="utf-8"?>
-<p:notes xmlns:a="http://schemas.openxmlformats.org/drawingml/2006/main" xmlns:r="http://schemas.openxmlformats.org/officeDocument/2006/relationships" xmlns:p="http://schemas.openxmlformats.org/presentationml/2006/main">
+<p:notes xmlns:a="http://schemas.openxmlformats.org/drawingml/2006/main" xmlns:r="http://schemas.openxmlformats.org/officeDocument/2006/relationships" xmlns:mc="http://schemas.openxmlformats.org/markup-compatibility/2006" xmlns:mv="urn:schemas-microsoft-com:mac:vml" xmlns:p="http://schemas.openxmlformats.org/presentationml/2006/main" mc:Ignorable="mv" mc:PreserveAttributes="mv:*">
   <p:cSld>
     <p:spTree>
       <p:nvGrpSpPr>
@@ -1121,7 +1132,7 @@
 </file>
 
 <file path=ppt/notesSlides/notesSlide6.xml><?xml version="1.0" encoding="utf-8"?>
-<p:notes xmlns:a="http://schemas.openxmlformats.org/drawingml/2006/main" xmlns:r="http://schemas.openxmlformats.org/officeDocument/2006/relationships" xmlns:p="http://schemas.openxmlformats.org/presentationml/2006/main">
+<p:notes xmlns:a="http://schemas.openxmlformats.org/drawingml/2006/main" xmlns:r="http://schemas.openxmlformats.org/officeDocument/2006/relationships" xmlns:mc="http://schemas.openxmlformats.org/markup-compatibility/2006" xmlns:mv="urn:schemas-microsoft-com:mac:vml" xmlns:p="http://schemas.openxmlformats.org/presentationml/2006/main" mc:Ignorable="mv" mc:PreserveAttributes="mv:*">
   <p:cSld>
     <p:spTree>
       <p:nvGrpSpPr>
@@ -1184,7 +1195,7 @@
 </file>
 
 <file path=ppt/notesSlides/notesSlide7.xml><?xml version="1.0" encoding="utf-8"?>
-<p:notes xmlns:a="http://schemas.openxmlformats.org/drawingml/2006/main" xmlns:r="http://schemas.openxmlformats.org/officeDocument/2006/relationships" xmlns:p="http://schemas.openxmlformats.org/presentationml/2006/main">
+<p:notes xmlns:a="http://schemas.openxmlformats.org/drawingml/2006/main" xmlns:r="http://schemas.openxmlformats.org/officeDocument/2006/relationships" xmlns:mc="http://schemas.openxmlformats.org/markup-compatibility/2006" xmlns:mv="urn:schemas-microsoft-com:mac:vml" xmlns:p="http://schemas.openxmlformats.org/presentationml/2006/main" mc:Ignorable="mv" mc:PreserveAttributes="mv:*">
   <p:cSld>
     <p:spTree>
       <p:nvGrpSpPr>
@@ -1247,7 +1258,7 @@
 </file>
 
 <file path=ppt/notesSlides/notesSlide8.xml><?xml version="1.0" encoding="utf-8"?>
-<p:notes xmlns:a="http://schemas.openxmlformats.org/drawingml/2006/main" xmlns:r="http://schemas.openxmlformats.org/officeDocument/2006/relationships" xmlns:p="http://schemas.openxmlformats.org/presentationml/2006/main">
+<p:notes xmlns:a="http://schemas.openxmlformats.org/drawingml/2006/main" xmlns:r="http://schemas.openxmlformats.org/officeDocument/2006/relationships" xmlns:mc="http://schemas.openxmlformats.org/markup-compatibility/2006" xmlns:mv="urn:schemas-microsoft-com:mac:vml" xmlns:p="http://schemas.openxmlformats.org/presentationml/2006/main" mc:Ignorable="mv" mc:PreserveAttributes="mv:*">
   <p:cSld>
     <p:spTree>
       <p:nvGrpSpPr>
@@ -1265,6 +1276,89 @@
       </p:grpSpPr>
       <p:sp>
         <p:nvSpPr>
+          <p:cNvPr id="19458" name="Rectangle 2"/>
+          <p:cNvSpPr>
+            <a:spLocks noGrp="1" noRot="1" noChangeAspect="1" noChangeArrowheads="1" noTextEdit="1"/>
+          </p:cNvSpPr>
+          <p:nvPr>
+            <p:ph type="sldImg"/>
+          </p:nvPr>
+        </p:nvSpPr>
+        <p:spPr>
+          <a:ln/>
+        </p:spPr>
+      </p:sp>
+      <p:sp>
+        <p:nvSpPr>
+          <p:cNvPr id="19459" name="Rectangle 3"/>
+          <p:cNvSpPr>
+            <a:spLocks noGrp="1" noChangeArrowheads="1"/>
+          </p:cNvSpPr>
+          <p:nvPr>
+            <p:ph type="body" idx="1"/>
+          </p:nvPr>
+        </p:nvSpPr>
+        <p:spPr>
+          <a:noFill/>
+          <a:ln/>
+          <a:extLst>
+            <a:ext uri="{909E8E84-426E-40DD-AFC4-6F175D3DCCD1}">
+              <a14:hiddenFill xmlns:a14="http://schemas.microsoft.com/office/drawing/2010/main" xmlns:p="http://schemas.openxmlformats.org/presentationml/2006/main" xmlns:r="http://schemas.openxmlformats.org/officeDocument/2006/relationships" xmlns:a="http://schemas.openxmlformats.org/drawingml/2006/main" xmlns="">
+                <a:solidFill>
+                  <a:srgbClr val="FFFFFF"/>
+                </a:solidFill>
+              </a14:hiddenFill>
+            </a:ext>
+            <a:ext uri="{91240B29-F687-4F45-9708-019B960494DF}">
+              <a14:hiddenLine xmlns:a14="http://schemas.microsoft.com/office/drawing/2010/main" xmlns:p="http://schemas.openxmlformats.org/presentationml/2006/main" xmlns:r="http://schemas.openxmlformats.org/officeDocument/2006/relationships" xmlns:a="http://schemas.openxmlformats.org/drawingml/2006/main" xmlns="" w="9525">
+                <a:solidFill>
+                  <a:srgbClr val="000000"/>
+                </a:solidFill>
+                <a:miter lim="800000"/>
+                <a:headEnd/>
+                <a:tailEnd/>
+              </a14:hiddenLine>
+            </a:ext>
+          </a:extLst>
+        </p:spPr>
+        <p:txBody>
+          <a:bodyPr/>
+          <a:lstStyle/>
+          <a:p>
+            <a:endParaRPr lang="en-US" smtClean="0">
+              <a:latin typeface="Arial" pitchFamily="34" charset="0"/>
+              <a:ea typeface="ＭＳ Ｐゴシック" pitchFamily="34" charset="-128"/>
+            </a:endParaRPr>
+          </a:p>
+        </p:txBody>
+      </p:sp>
+    </p:spTree>
+  </p:cSld>
+  <p:clrMapOvr>
+    <a:masterClrMapping/>
+  </p:clrMapOvr>
+</p:notes>
+</file>
+
+<file path=ppt/notesSlides/notesSlide9.xml><?xml version="1.0" encoding="utf-8"?>
+<p:notes xmlns:a="http://schemas.openxmlformats.org/drawingml/2006/main" xmlns:r="http://schemas.openxmlformats.org/officeDocument/2006/relationships" xmlns:mc="http://schemas.openxmlformats.org/markup-compatibility/2006" xmlns:mv="urn:schemas-microsoft-com:mac:vml" xmlns:p="http://schemas.openxmlformats.org/presentationml/2006/main" mc:Ignorable="mv" mc:PreserveAttributes="mv:*">
+  <p:cSld>
+    <p:spTree>
+      <p:nvGrpSpPr>
+        <p:cNvPr id="1" name=""/>
+        <p:cNvGrpSpPr/>
+        <p:nvPr/>
+      </p:nvGrpSpPr>
+      <p:grpSpPr>
+        <a:xfrm>
+          <a:off x="0" y="0"/>
+          <a:ext cx="0" cy="0"/>
+          <a:chOff x="0" y="0"/>
+          <a:chExt cx="0" cy="0"/>
+        </a:xfrm>
+      </p:grpSpPr>
+      <p:sp>
+        <p:nvSpPr>
           <p:cNvPr id="101378" name="Rectangle 2"/>
           <p:cNvSpPr>
             <a:spLocks noGrp="1" noRot="1" noChangeAspect="1" noChangeArrowheads="1" noTextEdit="1"/>
@@ -1310,7 +1404,7 @@
 </file>
 
 <file path=ppt/slideLayouts/slideLayout1.xml><?xml version="1.0" encoding="utf-8"?>
-<p:sldLayout xmlns:a="http://schemas.openxmlformats.org/drawingml/2006/main" xmlns:r="http://schemas.openxmlformats.org/officeDocument/2006/relationships" xmlns:p="http://schemas.openxmlformats.org/presentationml/2006/main" showMasterSp="0" type="title" preserve="1">
+<p:sldLayout xmlns:a="http://schemas.openxmlformats.org/drawingml/2006/main" xmlns:r="http://schemas.openxmlformats.org/officeDocument/2006/relationships" xmlns:mc="http://schemas.openxmlformats.org/markup-compatibility/2006" xmlns:mv="urn:schemas-microsoft-com:mac:vml" xmlns:p="http://schemas.openxmlformats.org/presentationml/2006/main" mc:Ignorable="mv" mc:PreserveAttributes="mv:*" showMasterSp="0" type="title" preserve="1">
   <p:cSld name="Title Slide">
     <p:spTree>
       <p:nvGrpSpPr>
@@ -1434,7 +1528,7 @@
 </file>
 
 <file path=ppt/slideLayouts/slideLayout10.xml><?xml version="1.0" encoding="utf-8"?>
-<p:sldLayout xmlns:a="http://schemas.openxmlformats.org/drawingml/2006/main" xmlns:r="http://schemas.openxmlformats.org/officeDocument/2006/relationships" xmlns:p="http://schemas.openxmlformats.org/presentationml/2006/main" type="vertTx" preserve="1">
+<p:sldLayout xmlns:a="http://schemas.openxmlformats.org/drawingml/2006/main" xmlns:r="http://schemas.openxmlformats.org/officeDocument/2006/relationships" xmlns:mc="http://schemas.openxmlformats.org/markup-compatibility/2006" xmlns:mv="urn:schemas-microsoft-com:mac:vml" xmlns:p="http://schemas.openxmlformats.org/presentationml/2006/main" mc:Ignorable="mv" mc:PreserveAttributes="mv:*" type="vertTx" preserve="1">
   <p:cSld name="Title and Vertical Text">
     <p:spTree>
       <p:nvGrpSpPr>
@@ -1534,7 +1628,7 @@
 </file>
 
 <file path=ppt/slideLayouts/slideLayout11.xml><?xml version="1.0" encoding="utf-8"?>
-<p:sldLayout xmlns:a="http://schemas.openxmlformats.org/drawingml/2006/main" xmlns:r="http://schemas.openxmlformats.org/officeDocument/2006/relationships" xmlns:p="http://schemas.openxmlformats.org/presentationml/2006/main" type="vertTitleAndTx" preserve="1">
+<p:sldLayout xmlns:a="http://schemas.openxmlformats.org/drawingml/2006/main" xmlns:r="http://schemas.openxmlformats.org/officeDocument/2006/relationships" xmlns:mc="http://schemas.openxmlformats.org/markup-compatibility/2006" xmlns:mv="urn:schemas-microsoft-com:mac:vml" xmlns:p="http://schemas.openxmlformats.org/presentationml/2006/main" mc:Ignorable="mv" mc:PreserveAttributes="mv:*" type="vertTitleAndTx" preserve="1">
   <p:cSld name="Vertical Title and Text">
     <p:spTree>
       <p:nvGrpSpPr>
@@ -1644,7 +1738,7 @@
 </file>
 
 <file path=ppt/slideLayouts/slideLayout2.xml><?xml version="1.0" encoding="utf-8"?>
-<p:sldLayout xmlns:a="http://schemas.openxmlformats.org/drawingml/2006/main" xmlns:r="http://schemas.openxmlformats.org/officeDocument/2006/relationships" xmlns:p="http://schemas.openxmlformats.org/presentationml/2006/main" type="obj" preserve="1">
+<p:sldLayout xmlns:a="http://schemas.openxmlformats.org/drawingml/2006/main" xmlns:r="http://schemas.openxmlformats.org/officeDocument/2006/relationships" xmlns:mc="http://schemas.openxmlformats.org/markup-compatibility/2006" xmlns:mv="urn:schemas-microsoft-com:mac:vml" xmlns:p="http://schemas.openxmlformats.org/presentationml/2006/main" mc:Ignorable="mv" mc:PreserveAttributes="mv:*" type="obj" preserve="1">
   <p:cSld name="Title and Content">
     <p:spTree>
       <p:nvGrpSpPr>
@@ -1744,7 +1838,7 @@
 </file>
 
 <file path=ppt/slideLayouts/slideLayout3.xml><?xml version="1.0" encoding="utf-8"?>
-<p:sldLayout xmlns:a="http://schemas.openxmlformats.org/drawingml/2006/main" xmlns:r="http://schemas.openxmlformats.org/officeDocument/2006/relationships" xmlns:p="http://schemas.openxmlformats.org/presentationml/2006/main" type="secHead" preserve="1">
+<p:sldLayout xmlns:a="http://schemas.openxmlformats.org/drawingml/2006/main" xmlns:r="http://schemas.openxmlformats.org/officeDocument/2006/relationships" xmlns:mc="http://schemas.openxmlformats.org/markup-compatibility/2006" xmlns:mv="urn:schemas-microsoft-com:mac:vml" xmlns:p="http://schemas.openxmlformats.org/presentationml/2006/main" mc:Ignorable="mv" mc:PreserveAttributes="mv:*" type="secHead" preserve="1">
   <p:cSld name="Section Header">
     <p:spTree>
       <p:nvGrpSpPr>
@@ -1866,7 +1960,7 @@
 </file>
 
 <file path=ppt/slideLayouts/slideLayout4.xml><?xml version="1.0" encoding="utf-8"?>
-<p:sldLayout xmlns:a="http://schemas.openxmlformats.org/drawingml/2006/main" xmlns:r="http://schemas.openxmlformats.org/officeDocument/2006/relationships" xmlns:p="http://schemas.openxmlformats.org/presentationml/2006/main" type="twoObj" preserve="1">
+<p:sldLayout xmlns:a="http://schemas.openxmlformats.org/drawingml/2006/main" xmlns:r="http://schemas.openxmlformats.org/officeDocument/2006/relationships" xmlns:mc="http://schemas.openxmlformats.org/markup-compatibility/2006" xmlns:mv="urn:schemas-microsoft-com:mac:vml" xmlns:p="http://schemas.openxmlformats.org/presentationml/2006/main" mc:Ignorable="mv" mc:PreserveAttributes="mv:*" type="twoObj" preserve="1">
   <p:cSld name="Two Content">
     <p:spTree>
       <p:nvGrpSpPr>
@@ -2084,7 +2178,7 @@
 </file>
 
 <file path=ppt/slideLayouts/slideLayout5.xml><?xml version="1.0" encoding="utf-8"?>
-<p:sldLayout xmlns:a="http://schemas.openxmlformats.org/drawingml/2006/main" xmlns:r="http://schemas.openxmlformats.org/officeDocument/2006/relationships" xmlns:p="http://schemas.openxmlformats.org/presentationml/2006/main" type="twoTxTwoObj" preserve="1">
+<p:sldLayout xmlns:a="http://schemas.openxmlformats.org/drawingml/2006/main" xmlns:r="http://schemas.openxmlformats.org/officeDocument/2006/relationships" xmlns:mc="http://schemas.openxmlformats.org/markup-compatibility/2006" xmlns:mv="urn:schemas-microsoft-com:mac:vml" xmlns:p="http://schemas.openxmlformats.org/presentationml/2006/main" mc:Ignorable="mv" mc:PreserveAttributes="mv:*" type="twoTxTwoObj" preserve="1">
   <p:cSld name="Comparison">
     <p:spTree>
       <p:nvGrpSpPr>
@@ -2441,7 +2535,7 @@
 </file>
 
 <file path=ppt/slideLayouts/slideLayout6.xml><?xml version="1.0" encoding="utf-8"?>
-<p:sldLayout xmlns:a="http://schemas.openxmlformats.org/drawingml/2006/main" xmlns:r="http://schemas.openxmlformats.org/officeDocument/2006/relationships" xmlns:p="http://schemas.openxmlformats.org/presentationml/2006/main" type="titleOnly" preserve="1">
+<p:sldLayout xmlns:a="http://schemas.openxmlformats.org/drawingml/2006/main" xmlns:r="http://schemas.openxmlformats.org/officeDocument/2006/relationships" xmlns:mc="http://schemas.openxmlformats.org/markup-compatibility/2006" xmlns:mv="urn:schemas-microsoft-com:mac:vml" xmlns:p="http://schemas.openxmlformats.org/presentationml/2006/main" mc:Ignorable="mv" mc:PreserveAttributes="mv:*" type="titleOnly" preserve="1">
   <p:cSld name="Title Only">
     <p:spTree>
       <p:nvGrpSpPr>
@@ -2489,7 +2583,7 @@
 </file>
 
 <file path=ppt/slideLayouts/slideLayout7.xml><?xml version="1.0" encoding="utf-8"?>
-<p:sldLayout xmlns:a="http://schemas.openxmlformats.org/drawingml/2006/main" xmlns:r="http://schemas.openxmlformats.org/officeDocument/2006/relationships" xmlns:p="http://schemas.openxmlformats.org/presentationml/2006/main" type="blank" preserve="1">
+<p:sldLayout xmlns:a="http://schemas.openxmlformats.org/drawingml/2006/main" xmlns:r="http://schemas.openxmlformats.org/officeDocument/2006/relationships" xmlns:mc="http://schemas.openxmlformats.org/markup-compatibility/2006" xmlns:mv="urn:schemas-microsoft-com:mac:vml" xmlns:p="http://schemas.openxmlformats.org/presentationml/2006/main" mc:Ignorable="mv" mc:PreserveAttributes="mv:*" type="blank" preserve="1">
   <p:cSld name="Blank">
     <p:spTree>
       <p:nvGrpSpPr>
@@ -2514,7 +2608,7 @@
 </file>
 
 <file path=ppt/slideLayouts/slideLayout8.xml><?xml version="1.0" encoding="utf-8"?>
-<p:sldLayout xmlns:a="http://schemas.openxmlformats.org/drawingml/2006/main" xmlns:r="http://schemas.openxmlformats.org/officeDocument/2006/relationships" xmlns:p="http://schemas.openxmlformats.org/presentationml/2006/main" type="objTx" preserve="1">
+<p:sldLayout xmlns:a="http://schemas.openxmlformats.org/drawingml/2006/main" xmlns:r="http://schemas.openxmlformats.org/officeDocument/2006/relationships" xmlns:mc="http://schemas.openxmlformats.org/markup-compatibility/2006" xmlns:mv="urn:schemas-microsoft-com:mac:vml" xmlns:p="http://schemas.openxmlformats.org/presentationml/2006/main" mc:Ignorable="mv" mc:PreserveAttributes="mv:*" type="objTx" preserve="1">
   <p:cSld name="Content with Caption">
     <p:spTree>
       <p:nvGrpSpPr>
@@ -2721,7 +2815,7 @@
 </file>
 
 <file path=ppt/slideLayouts/slideLayout9.xml><?xml version="1.0" encoding="utf-8"?>
-<p:sldLayout xmlns:a="http://schemas.openxmlformats.org/drawingml/2006/main" xmlns:r="http://schemas.openxmlformats.org/officeDocument/2006/relationships" xmlns:p="http://schemas.openxmlformats.org/presentationml/2006/main" type="picTx" preserve="1">
+<p:sldLayout xmlns:a="http://schemas.openxmlformats.org/drawingml/2006/main" xmlns:r="http://schemas.openxmlformats.org/officeDocument/2006/relationships" xmlns:mc="http://schemas.openxmlformats.org/markup-compatibility/2006" xmlns:mv="urn:schemas-microsoft-com:mac:vml" xmlns:p="http://schemas.openxmlformats.org/presentationml/2006/main" mc:Ignorable="mv" mc:PreserveAttributes="mv:*" type="picTx" preserve="1">
   <p:cSld name="Picture with Caption">
     <p:spTree>
       <p:nvGrpSpPr>
@@ -2905,7 +2999,7 @@
 </file>
 
 <file path=ppt/slideMasters/slideMaster1.xml><?xml version="1.0" encoding="utf-8"?>
-<p:sldMaster xmlns:a="http://schemas.openxmlformats.org/drawingml/2006/main" xmlns:r="http://schemas.openxmlformats.org/officeDocument/2006/relationships" xmlns:p="http://schemas.openxmlformats.org/presentationml/2006/main">
+<p:sldMaster xmlns:a="http://schemas.openxmlformats.org/drawingml/2006/main" xmlns:r="http://schemas.openxmlformats.org/officeDocument/2006/relationships" xmlns:mc="http://schemas.openxmlformats.org/markup-compatibility/2006" xmlns:mv="urn:schemas-microsoft-com:mac:vml" xmlns:p="http://schemas.openxmlformats.org/presentationml/2006/main" mc:Ignorable="mv" mc:PreserveAttributes="mv:*">
   <p:cSld>
     <p:bg>
       <p:bgPr>
@@ -3471,7 +3565,7 @@
 </file>
 
 <file path=ppt/slides/slide1.xml><?xml version="1.0" encoding="utf-8"?>
-<p:sld xmlns:a="http://schemas.openxmlformats.org/drawingml/2006/main" xmlns:r="http://schemas.openxmlformats.org/officeDocument/2006/relationships" xmlns:p="http://schemas.openxmlformats.org/presentationml/2006/main">
+<p:sld xmlns:a="http://schemas.openxmlformats.org/drawingml/2006/main" xmlns:r="http://schemas.openxmlformats.org/officeDocument/2006/relationships" xmlns:mc="http://schemas.openxmlformats.org/markup-compatibility/2006" xmlns:mv="urn:schemas-microsoft-com:mac:vml" xmlns:p="http://schemas.openxmlformats.org/presentationml/2006/main" mc:Ignorable="mv" mc:PreserveAttributes="mv:*">
   <p:cSld>
     <p:spTree>
       <p:nvGrpSpPr>
@@ -3677,25 +3771,7 @@
               <a:rPr lang="en-US" dirty="0" smtClean="0">
                 <a:ea typeface="ＭＳ Ｐゴシック" charset="-128"/>
               </a:rPr>
-              <a:t>Release</a:t>
-            </a:r>
-            <a:r>
-              <a:rPr lang="en-US" dirty="0" smtClean="0">
-                <a:ea typeface="ＭＳ Ｐゴシック" charset="-128"/>
-              </a:rPr>
-              <a:t> </a:t>
-            </a:r>
-            <a:r>
-              <a:rPr lang="en-US" dirty="0" smtClean="0">
-                <a:ea typeface="ＭＳ Ｐゴシック" charset="-128"/>
-              </a:rPr>
-              <a:t>2.4.1</a:t>
-            </a:r>
-            <a:r>
-              <a:rPr lang="en-US" dirty="0" smtClean="0">
-                <a:ea typeface="ＭＳ Ｐゴシック" charset="-128"/>
-              </a:rPr>
-              <a:t/>
+              <a:t>Release 2.4.1</a:t>
             </a:r>
             <a:br>
               <a:rPr lang="en-US" dirty="0" smtClean="0">
@@ -3835,6 +3911,102 @@
             <a:endParaRPr lang="en-US" dirty="0" smtClean="0">
               <a:ea typeface="ＭＳ Ｐゴシック" charset="-128"/>
             </a:endParaRPr>
+          </a:p>
+        </p:txBody>
+      </p:sp>
+    </p:spTree>
+  </p:cSld>
+  <p:clrMapOvr>
+    <a:masterClrMapping/>
+  </p:clrMapOvr>
+  <p:timing>
+    <p:tnLst>
+      <p:par>
+        <p:cTn id="1" dur="indefinite" restart="never" nodeType="tmRoot"/>
+      </p:par>
+    </p:tnLst>
+  </p:timing>
+</p:sld>
+</file>
+
+<file path=ppt/slides/slide10.xml><?xml version="1.0" encoding="utf-8"?>
+<p:sld xmlns:a="http://schemas.openxmlformats.org/drawingml/2006/main" xmlns:r="http://schemas.openxmlformats.org/officeDocument/2006/relationships" xmlns:mc="http://schemas.openxmlformats.org/markup-compatibility/2006" xmlns:mv="urn:schemas-microsoft-com:mac:vml" xmlns:p="http://schemas.openxmlformats.org/presentationml/2006/main" mc:Ignorable="mv" mc:PreserveAttributes="mv:*">
+  <p:cSld>
+    <p:spTree>
+      <p:nvGrpSpPr>
+        <p:cNvPr id="1" name=""/>
+        <p:cNvGrpSpPr/>
+        <p:nvPr/>
+      </p:nvGrpSpPr>
+      <p:grpSpPr>
+        <a:xfrm>
+          <a:off x="0" y="0"/>
+          <a:ext cx="0" cy="0"/>
+          <a:chOff x="0" y="0"/>
+          <a:chExt cx="0" cy="0"/>
+        </a:xfrm>
+      </p:grpSpPr>
+      <p:sp>
+        <p:nvSpPr>
+          <p:cNvPr id="100354" name="Rectangle 2"/>
+          <p:cNvSpPr>
+            <a:spLocks noGrp="1" noChangeArrowheads="1"/>
+          </p:cNvSpPr>
+          <p:nvPr>
+            <p:ph type="title" idx="4294967295"/>
+          </p:nvPr>
+        </p:nvSpPr>
+        <p:spPr/>
+        <p:txBody>
+          <a:bodyPr/>
+          <a:lstStyle/>
+          <a:p>
+            <a:pPr eaLnBrk="1" hangingPunct="1"/>
+            <a:r>
+              <a:rPr lang="en-US" dirty="0" smtClean="0">
+                <a:ea typeface="ＭＳ Ｐゴシック" charset="-128"/>
+              </a:rPr>
+              <a:t>Avenues for Feedback</a:t>
+            </a:r>
+          </a:p>
+        </p:txBody>
+      </p:sp>
+      <p:sp>
+        <p:nvSpPr>
+          <p:cNvPr id="100355" name="Rectangle 3"/>
+          <p:cNvSpPr>
+            <a:spLocks noGrp="1" noChangeArrowheads="1"/>
+          </p:cNvSpPr>
+          <p:nvPr>
+            <p:ph type="body" idx="4294967295"/>
+          </p:nvPr>
+        </p:nvSpPr>
+        <p:spPr/>
+        <p:txBody>
+          <a:bodyPr/>
+          <a:lstStyle/>
+          <a:p>
+            <a:pPr eaLnBrk="1" hangingPunct="1"/>
+            <a:r>
+              <a:rPr lang="en-US" sz="2200" dirty="0" smtClean="0">
+                <a:ea typeface="ＭＳ Ｐゴシック" charset="-128"/>
+              </a:rPr>
+              <a:t>We welcome feedback on caArray</a:t>
+            </a:r>
+          </a:p>
+          <a:p>
+            <a:pPr lvl="1" eaLnBrk="1" hangingPunct="1"/>
+            <a:r>
+              <a:rPr lang="en-US" sz="1400" dirty="0" smtClean="0"/>
+              <a:t>Molecular Analysis Tools Knowledge Center Forum: </a:t>
+            </a:r>
+            <a:r>
+              <a:rPr lang="en-US" sz="1400" dirty="0" smtClean="0">
+                <a:hlinkClick r:id="rId3"/>
+              </a:rPr>
+              <a:t>https://cabig-kc.nci.nih.gov/Molecular/forums/</a:t>
+            </a:r>
+            <a:endParaRPr lang="en-US" sz="1400" dirty="0" smtClean="0"/>
           </a:p>
         </p:txBody>
       </p:sp>
@@ -3854,7 +4026,7 @@
 </file>
 
 <file path=ppt/slides/slide2.xml><?xml version="1.0" encoding="utf-8"?>
-<p:sld xmlns:a="http://schemas.openxmlformats.org/drawingml/2006/main" xmlns:r="http://schemas.openxmlformats.org/officeDocument/2006/relationships" xmlns:p="http://schemas.openxmlformats.org/presentationml/2006/main">
+<p:sld xmlns:a="http://schemas.openxmlformats.org/drawingml/2006/main" xmlns:r="http://schemas.openxmlformats.org/officeDocument/2006/relationships" xmlns:mc="http://schemas.openxmlformats.org/markup-compatibility/2006" xmlns:mv="urn:schemas-microsoft-com:mac:vml" xmlns:p="http://schemas.openxmlformats.org/presentationml/2006/main" mc:Ignorable="mv" mc:PreserveAttributes="mv:*">
   <p:cSld>
     <p:spTree>
       <p:nvGrpSpPr>
@@ -4053,7 +4225,7 @@
 </file>
 
 <file path=ppt/slides/slide3.xml><?xml version="1.0" encoding="utf-8"?>
-<p:sld xmlns:a="http://schemas.openxmlformats.org/drawingml/2006/main" xmlns:r="http://schemas.openxmlformats.org/officeDocument/2006/relationships" xmlns:p="http://schemas.openxmlformats.org/presentationml/2006/main">
+<p:sld xmlns:a="http://schemas.openxmlformats.org/drawingml/2006/main" xmlns:r="http://schemas.openxmlformats.org/officeDocument/2006/relationships" xmlns:mc="http://schemas.openxmlformats.org/markup-compatibility/2006" xmlns:mv="urn:schemas-microsoft-com:mac:vml" xmlns:p="http://schemas.openxmlformats.org/presentationml/2006/main" mc:Ignorable="mv" mc:PreserveAttributes="mv:*">
   <p:cSld>
     <p:spTree>
       <p:nvGrpSpPr>
@@ -4129,7 +4301,7 @@
 </file>
 
 <file path=ppt/slides/slide4.xml><?xml version="1.0" encoding="utf-8"?>
-<p:sld xmlns:a="http://schemas.openxmlformats.org/drawingml/2006/main" xmlns:r="http://schemas.openxmlformats.org/officeDocument/2006/relationships" xmlns:p="http://schemas.openxmlformats.org/presentationml/2006/main">
+<p:sld xmlns:a="http://schemas.openxmlformats.org/drawingml/2006/main" xmlns:r="http://schemas.openxmlformats.org/officeDocument/2006/relationships" xmlns:mc="http://schemas.openxmlformats.org/markup-compatibility/2006" xmlns:mv="urn:schemas-microsoft-com:mac:vml" xmlns:p="http://schemas.openxmlformats.org/presentationml/2006/main" mc:Ignorable="mv" mc:PreserveAttributes="mv:*">
   <p:cSld>
     <p:spTree>
       <p:nvGrpSpPr>
@@ -4210,7 +4382,7 @@
 </file>
 
 <file path=ppt/slides/slide5.xml><?xml version="1.0" encoding="utf-8"?>
-<p:sld xmlns:a="http://schemas.openxmlformats.org/drawingml/2006/main" xmlns:r="http://schemas.openxmlformats.org/officeDocument/2006/relationships" xmlns:p="http://schemas.openxmlformats.org/presentationml/2006/main">
+<p:sld xmlns:a="http://schemas.openxmlformats.org/drawingml/2006/main" xmlns:r="http://schemas.openxmlformats.org/officeDocument/2006/relationships" xmlns:mc="http://schemas.openxmlformats.org/markup-compatibility/2006" xmlns:mv="urn:schemas-microsoft-com:mac:vml" xmlns:p="http://schemas.openxmlformats.org/presentationml/2006/main" mc:Ignorable="mv" mc:PreserveAttributes="mv:*">
   <p:cSld>
     <p:spTree>
       <p:nvGrpSpPr>
@@ -4291,7 +4463,7 @@
 </file>
 
 <file path=ppt/slides/slide6.xml><?xml version="1.0" encoding="utf-8"?>
-<p:sld xmlns:a="http://schemas.openxmlformats.org/drawingml/2006/main" xmlns:r="http://schemas.openxmlformats.org/officeDocument/2006/relationships" xmlns:p="http://schemas.openxmlformats.org/presentationml/2006/main">
+<p:sld xmlns:a="http://schemas.openxmlformats.org/drawingml/2006/main" xmlns:r="http://schemas.openxmlformats.org/officeDocument/2006/relationships" xmlns:mc="http://schemas.openxmlformats.org/markup-compatibility/2006" xmlns:mv="urn:schemas-microsoft-com:mac:vml" xmlns:p="http://schemas.openxmlformats.org/presentationml/2006/main" mc:Ignorable="mv" mc:PreserveAttributes="mv:*">
   <p:cSld>
     <p:spTree>
       <p:nvGrpSpPr>
@@ -4372,7 +4544,7 @@
 </file>
 
 <file path=ppt/slides/slide7.xml><?xml version="1.0" encoding="utf-8"?>
-<p:sld xmlns:a="http://schemas.openxmlformats.org/drawingml/2006/main" xmlns:r="http://schemas.openxmlformats.org/officeDocument/2006/relationships" xmlns:p="http://schemas.openxmlformats.org/presentationml/2006/main">
+<p:sld xmlns:a="http://schemas.openxmlformats.org/drawingml/2006/main" xmlns:r="http://schemas.openxmlformats.org/officeDocument/2006/relationships" xmlns:mc="http://schemas.openxmlformats.org/markup-compatibility/2006" xmlns:mv="urn:schemas-microsoft-com:mac:vml" xmlns:p="http://schemas.openxmlformats.org/presentationml/2006/main" mc:Ignorable="mv" mc:PreserveAttributes="mv:*">
   <p:cSld>
     <p:spTree>
       <p:nvGrpSpPr>
@@ -4501,7 +4673,7 @@
 </file>
 
 <file path=ppt/slides/slide8.xml><?xml version="1.0" encoding="utf-8"?>
-<p:sld xmlns:a="http://schemas.openxmlformats.org/drawingml/2006/main" xmlns:r="http://schemas.openxmlformats.org/officeDocument/2006/relationships" xmlns:p="http://schemas.openxmlformats.org/presentationml/2006/main">
+<p:sld xmlns:a="http://schemas.openxmlformats.org/drawingml/2006/main" xmlns:r="http://schemas.openxmlformats.org/officeDocument/2006/relationships" xmlns:mc="http://schemas.openxmlformats.org/markup-compatibility/2006" xmlns:mv="urn:schemas-microsoft-com:mac:vml" xmlns:p="http://schemas.openxmlformats.org/presentationml/2006/main" mc:Ignorable="mv" mc:PreserveAttributes="mv:*">
   <p:cSld>
     <p:spTree>
       <p:nvGrpSpPr>
@@ -4609,15 +4781,7 @@
                   <a:srgbClr val="0070C0"/>
                 </a:solidFill>
               </a:rPr>
-              <a:t>An updated technology </a:t>
-            </a:r>
-            <a:r>
-              <a:rPr lang="en-US" sz="1600" dirty="0" smtClean="0">
-                <a:solidFill>
-                  <a:srgbClr val="0070C0"/>
-                </a:solidFill>
-              </a:rPr>
-              <a:t>stack</a:t>
+              <a:t>An updated technology stack</a:t>
             </a:r>
             <a:r>
               <a:rPr lang="en-US" sz="1600" dirty="0" smtClean="0"/>
@@ -4650,7 +4814,7 @@
 </file>
 
 <file path=ppt/slides/slide9.xml><?xml version="1.0" encoding="utf-8"?>
-<p:sld xmlns:a="http://schemas.openxmlformats.org/drawingml/2006/main" xmlns:r="http://schemas.openxmlformats.org/officeDocument/2006/relationships" xmlns:p="http://schemas.openxmlformats.org/presentationml/2006/main">
+<p:sld xmlns:a="http://schemas.openxmlformats.org/drawingml/2006/main" xmlns:r="http://schemas.openxmlformats.org/officeDocument/2006/relationships" xmlns:mc="http://schemas.openxmlformats.org/markup-compatibility/2006" xmlns:mv="urn:schemas-microsoft-com:mac:vml" xmlns:p="http://schemas.openxmlformats.org/presentationml/2006/main" mc:Ignorable="mv" mc:PreserveAttributes="mv:*">
   <p:cSld>
     <p:spTree>
       <p:nvGrpSpPr>
@@ -4668,12 +4832,12 @@
       </p:grpSpPr>
       <p:sp>
         <p:nvSpPr>
-          <p:cNvPr id="100354" name="Rectangle 2"/>
+          <p:cNvPr id="12290" name="Rectangle 2"/>
           <p:cNvSpPr>
             <a:spLocks noGrp="1" noChangeArrowheads="1"/>
           </p:cNvSpPr>
           <p:nvPr>
-            <p:ph type="title" idx="4294967295"/>
+            <p:ph type="title"/>
           </p:nvPr>
         </p:nvSpPr>
         <p:spPr/>
@@ -4681,24 +4845,23 @@
           <a:bodyPr/>
           <a:lstStyle/>
           <a:p>
-            <a:pPr eaLnBrk="1" hangingPunct="1"/>
-            <a:r>
-              <a:rPr lang="en-US" dirty="0" smtClean="0">
-                <a:ea typeface="ＭＳ Ｐゴシック" charset="-128"/>
+            <a:r>
+              <a:rPr lang="en-US" smtClean="0">
+                <a:ea typeface="ＭＳ Ｐゴシック" pitchFamily="34" charset="-128"/>
               </a:rPr>
-              <a:t>Avenues for Feedback</a:t>
+              <a:t>What’s New on caArray Support</a:t>
             </a:r>
           </a:p>
         </p:txBody>
       </p:sp>
       <p:sp>
         <p:nvSpPr>
-          <p:cNvPr id="100355" name="Rectangle 3"/>
+          <p:cNvPr id="12291" name="Rectangle 3"/>
           <p:cNvSpPr>
             <a:spLocks noGrp="1" noChangeArrowheads="1"/>
           </p:cNvSpPr>
           <p:nvPr>
-            <p:ph type="body" idx="4294967295"/>
+            <p:ph idx="1"/>
           </p:nvPr>
         </p:nvSpPr>
         <p:spPr/>
@@ -4706,42 +4869,295 @@
           <a:bodyPr/>
           <a:lstStyle/>
           <a:p>
-            <a:pPr eaLnBrk="1" hangingPunct="1"/>
-            <a:r>
-              <a:rPr lang="en-US" sz="2200" dirty="0" smtClean="0">
-                <a:ea typeface="ＭＳ Ｐゴシック" charset="-128"/>
+            <a:pPr marL="495300" indent="-495300">
+              <a:lnSpc>
+                <a:spcPct val="90000"/>
+              </a:lnSpc>
+            </a:pPr>
+            <a:r>
+              <a:rPr lang="en-US" dirty="0" smtClean="0">
+                <a:ea typeface="ＭＳ Ｐゴシック" pitchFamily="34" charset="-128"/>
               </a:rPr>
-              <a:t>We welcome feedback on caArray</a:t>
-            </a:r>
-          </a:p>
-          <a:p>
-            <a:pPr lvl="1" eaLnBrk="1" hangingPunct="1"/>
-            <a:r>
-              <a:rPr lang="en-US" sz="1400" dirty="0" smtClean="0"/>
-              <a:t>Molecular Analysis Tools Knowledge Center Forum: </a:t>
-            </a:r>
-            <a:r>
-              <a:rPr lang="en-US" sz="1400" dirty="0" smtClean="0">
-                <a:hlinkClick r:id="rId3"/>
+              <a:t>New Knowledgebase Articles</a:t>
+            </a:r>
+          </a:p>
+          <a:p>
+            <a:pPr marL="800100" lvl="1" indent="-342900">
+              <a:lnSpc>
+                <a:spcPct val="90000"/>
+              </a:lnSpc>
+            </a:pPr>
+            <a:r>
+              <a:rPr lang="en-US" dirty="0">
+                <a:hlinkClick r:id="rId3" action="ppaction://hlinkfile" tooltip="Caarray075"/>
               </a:rPr>
-              <a:t>https://cabig-kc.nci.nih.gov/Molecular/forums/</a:t>
-            </a:r>
-            <a:endParaRPr lang="en-US" sz="1400" dirty="0" smtClean="0"/>
+              <a:t>Caarray075</a:t>
+            </a:r>
+            <a:r>
+              <a:rPr lang="en-US" dirty="0"/>
+              <a:t> UPT user group/</a:t>
+            </a:r>
+            <a:r>
+              <a:rPr lang="en-US" dirty="0" err="1"/>
+              <a:t>caArray</a:t>
+            </a:r>
+            <a:r>
+              <a:rPr lang="en-US" dirty="0"/>
+              <a:t> collaboration group </a:t>
+            </a:r>
+            <a:r>
+              <a:rPr lang="en-US" dirty="0" smtClean="0"/>
+              <a:t>clarification</a:t>
+            </a:r>
+          </a:p>
+          <a:p>
+            <a:pPr marL="800100" lvl="1" indent="-342900">
+              <a:lnSpc>
+                <a:spcPct val="90000"/>
+              </a:lnSpc>
+            </a:pPr>
+            <a:r>
+              <a:rPr lang="en-US" dirty="0">
+                <a:hlinkClick r:id="rId4" action="ppaction://hlinkfile" tooltip="Caarray071"/>
+              </a:rPr>
+              <a:t>Caarray071</a:t>
+            </a:r>
+            <a:r>
+              <a:rPr lang="en-US" dirty="0"/>
+              <a:t> How to check whether my </a:t>
+            </a:r>
+            <a:r>
+              <a:rPr lang="en-US" dirty="0" err="1"/>
+              <a:t>caArray</a:t>
+            </a:r>
+            <a:r>
+              <a:rPr lang="en-US" dirty="0"/>
+              <a:t> data is published on caGrid</a:t>
+            </a:r>
+            <a:r>
+              <a:rPr lang="en-US" dirty="0" smtClean="0"/>
+              <a:t>?</a:t>
+            </a:r>
+          </a:p>
+          <a:p>
+            <a:pPr marL="800100" lvl="1" indent="-342900">
+              <a:lnSpc>
+                <a:spcPct val="90000"/>
+              </a:lnSpc>
+            </a:pPr>
+            <a:r>
+              <a:rPr lang="en-US" dirty="0">
+                <a:hlinkClick r:id="rId5" action="ppaction://hlinkfile" tooltip="Caarray067"/>
+              </a:rPr>
+              <a:t>Caarray067</a:t>
+            </a:r>
+            <a:r>
+              <a:rPr lang="en-US" dirty="0"/>
+              <a:t> Zip file </a:t>
+            </a:r>
+            <a:r>
+              <a:rPr lang="en-US" dirty="0" err="1"/>
+              <a:t>uncompression</a:t>
+            </a:r>
+            <a:r>
+              <a:rPr lang="en-US" dirty="0"/>
+              <a:t> failed. Why</a:t>
+            </a:r>
+            <a:r>
+              <a:rPr lang="en-US" dirty="0" smtClean="0"/>
+              <a:t>?</a:t>
+            </a:r>
+          </a:p>
+          <a:p>
+            <a:pPr marL="800100" lvl="1" indent="-342900">
+              <a:lnSpc>
+                <a:spcPct val="90000"/>
+              </a:lnSpc>
+            </a:pPr>
+            <a:r>
+              <a:rPr lang="en-US" dirty="0" smtClean="0">
+                <a:hlinkClick r:id="rId6" action="ppaction://hlinkfile" tooltip="Caarray065"/>
+              </a:rPr>
+              <a:t>Caarray065</a:t>
+            </a:r>
+            <a:r>
+              <a:rPr lang="en-US" dirty="0" smtClean="0"/>
+              <a:t> </a:t>
+            </a:r>
+            <a:r>
+              <a:rPr lang="en-US" dirty="0"/>
+              <a:t>Can we amend the ownership for a deleted user's experiment</a:t>
+            </a:r>
+            <a:r>
+              <a:rPr lang="en-US" dirty="0" smtClean="0"/>
+              <a:t>?</a:t>
+            </a:r>
+          </a:p>
+          <a:p>
+            <a:pPr marL="800100" lvl="1" indent="-342900">
+              <a:lnSpc>
+                <a:spcPct val="90000"/>
+              </a:lnSpc>
+            </a:pPr>
+            <a:r>
+              <a:rPr lang="en-US" dirty="0">
+                <a:hlinkClick r:id="rId7" action="ppaction://hlinkfile" tooltip="Caarray077"/>
+              </a:rPr>
+              <a:t>Caarray077</a:t>
+            </a:r>
+            <a:r>
+              <a:rPr lang="en-US" dirty="0"/>
+              <a:t> How to increase time-out period when running CQL queries?</a:t>
+            </a:r>
+            <a:endParaRPr lang="en-US" dirty="0">
+              <a:ea typeface="ＭＳ Ｐゴシック" pitchFamily="34" charset="-128"/>
+              <a:hlinkClick r:id="rId8" action="ppaction://hlinkfile" tooltip="Caarray058"/>
+            </a:endParaRPr>
+          </a:p>
+          <a:p>
+            <a:pPr marL="800100" lvl="1" indent="-342900">
+              <a:lnSpc>
+                <a:spcPct val="90000"/>
+              </a:lnSpc>
+            </a:pPr>
+            <a:endParaRPr lang="en-US" dirty="0" smtClean="0">
+              <a:ea typeface="ＭＳ Ｐゴシック" pitchFamily="34" charset="-128"/>
+            </a:endParaRPr>
+          </a:p>
+          <a:p>
+            <a:pPr marL="495300" indent="-495300">
+              <a:lnSpc>
+                <a:spcPct val="90000"/>
+              </a:lnSpc>
+            </a:pPr>
+            <a:r>
+              <a:rPr lang="en-US" dirty="0" smtClean="0">
+                <a:ea typeface="ＭＳ Ｐゴシック" pitchFamily="34" charset="-128"/>
+              </a:rPr>
+              <a:t>Community Code Contribution Update</a:t>
+            </a:r>
+          </a:p>
+          <a:p>
+            <a:pPr marL="800100" lvl="1" indent="-342900">
+              <a:lnSpc>
+                <a:spcPct val="90000"/>
+              </a:lnSpc>
+            </a:pPr>
+            <a:r>
+              <a:rPr lang="en-US" dirty="0" smtClean="0"/>
+              <a:t>Support RPLA in </a:t>
+            </a:r>
+            <a:r>
+              <a:rPr lang="en-US" dirty="0" err="1" smtClean="0"/>
+              <a:t>caArray</a:t>
+            </a:r>
+            <a:r>
+              <a:rPr lang="en-US" dirty="0" smtClean="0"/>
+              <a:t> by Leandro </a:t>
+            </a:r>
+            <a:r>
+              <a:rPr lang="en-US" dirty="0" err="1" smtClean="0"/>
+              <a:t>Hermida’s</a:t>
+            </a:r>
+            <a:r>
+              <a:rPr lang="en-US" dirty="0" smtClean="0"/>
+              <a:t> team at PMI</a:t>
+            </a:r>
+          </a:p>
+          <a:p>
+            <a:pPr marL="1200150" lvl="2" indent="-342900">
+              <a:lnSpc>
+                <a:spcPct val="90000"/>
+              </a:lnSpc>
+            </a:pPr>
+            <a:r>
+              <a:rPr lang="en-US" dirty="0" smtClean="0">
+                <a:hlinkClick r:id="rId9"/>
+              </a:rPr>
+              <a:t>caarray080</a:t>
+            </a:r>
+            <a:r>
+              <a:rPr lang="en-US" dirty="0" smtClean="0"/>
+              <a:t> </a:t>
+            </a:r>
+            <a:r>
+              <a:rPr lang="en-US" dirty="0"/>
+              <a:t>A step-by-step guide to Create MAGE-TAB template specific to RPLA </a:t>
+            </a:r>
+            <a:r>
+              <a:rPr lang="en-US" dirty="0" smtClean="0"/>
+              <a:t>Project</a:t>
+            </a:r>
+          </a:p>
+          <a:p>
+            <a:pPr marL="800100" lvl="1" indent="-342900">
+              <a:lnSpc>
+                <a:spcPct val="90000"/>
+              </a:lnSpc>
+            </a:pPr>
+            <a:r>
+              <a:rPr lang="en-US" dirty="0" smtClean="0"/>
+              <a:t>Upgraded </a:t>
+            </a:r>
+            <a:r>
+              <a:rPr lang="en-US" dirty="0" err="1" smtClean="0"/>
+              <a:t>caArray</a:t>
+            </a:r>
+            <a:r>
+              <a:rPr lang="en-US" dirty="0" smtClean="0"/>
+              <a:t> Importer to work with </a:t>
+            </a:r>
+            <a:r>
+              <a:rPr lang="en-US" dirty="0" err="1" smtClean="0"/>
+              <a:t>caArray</a:t>
+            </a:r>
+            <a:r>
+              <a:rPr lang="en-US" dirty="0" smtClean="0"/>
+              <a:t> 2.4.0.2 by </a:t>
+            </a:r>
+            <a:r>
+              <a:rPr lang="en-US" dirty="0" err="1" smtClean="0"/>
+              <a:t>Talha</a:t>
+            </a:r>
+            <a:r>
+              <a:rPr lang="en-US" dirty="0" smtClean="0"/>
+              <a:t> at UAMS</a:t>
+            </a:r>
+          </a:p>
+          <a:p>
+            <a:pPr marL="1200150" lvl="2" indent="-342900">
+              <a:lnSpc>
+                <a:spcPct val="90000"/>
+              </a:lnSpc>
+            </a:pPr>
+            <a:r>
+              <a:rPr lang="en-US" dirty="0">
+                <a:hlinkClick r:id="rId10"/>
+              </a:rPr>
+              <a:t>https://</a:t>
+            </a:r>
+            <a:r>
+              <a:rPr lang="en-US" dirty="0" smtClean="0">
+                <a:hlinkClick r:id="rId10"/>
+              </a:rPr>
+              <a:t>cabig-kc.nci.nih.gov/Molecular/forums/viewtopic.php?f=6&amp;t=497</a:t>
+            </a:r>
+            <a:endParaRPr lang="en-US" dirty="0" smtClean="0">
+              <a:ea typeface="ＭＳ Ｐゴシック" pitchFamily="34" charset="-128"/>
+            </a:endParaRPr>
           </a:p>
         </p:txBody>
       </p:sp>
     </p:spTree>
+    <p:extLst>
+      <p:ext uri="{BB962C8B-B14F-4D97-AF65-F5344CB8AC3E}">
+        <p14:creationId xmlns:p14="http://schemas.microsoft.com/office/powerpoint/2010/main" xmlns:p="http://schemas.openxmlformats.org/presentationml/2006/main" xmlns:r="http://schemas.openxmlformats.org/officeDocument/2006/relationships" xmlns:a="http://schemas.openxmlformats.org/drawingml/2006/main" xmlns="" val="1664552638"/>
+      </p:ext>
+    </p:extLst>
   </p:cSld>
   <p:clrMapOvr>
     <a:masterClrMapping/>
   </p:clrMapOvr>
-  <p:timing>
-    <p:tnLst>
-      <p:par>
-        <p:cTn id="1" dur="indefinite" restart="never" nodeType="tmRoot"/>
-      </p:par>
-    </p:tnLst>
-  </p:timing>
 </p:sld>
 </file>
 
